--- a/motor/slideUshimaru.pptx
+++ b/motor/slideUshimaru.pptx
@@ -5,7 +5,7 @@
     <p:sldMasterId id="2147483852" r:id="rId1"/>
   </p:sldMasterIdLst>
   <p:notesMasterIdLst>
-    <p:notesMasterId r:id="rId24"/>
+    <p:notesMasterId r:id="rId30"/>
   </p:notesMasterIdLst>
   <p:sldIdLst>
     <p:sldId id="256" r:id="rId2"/>
@@ -25,11 +25,17 @@
     <p:sldId id="271" r:id="rId16"/>
     <p:sldId id="273" r:id="rId17"/>
     <p:sldId id="274" r:id="rId18"/>
-    <p:sldId id="275" r:id="rId19"/>
-    <p:sldId id="276" r:id="rId20"/>
-    <p:sldId id="277" r:id="rId21"/>
-    <p:sldId id="278" r:id="rId22"/>
-    <p:sldId id="257" r:id="rId23"/>
+    <p:sldId id="279" r:id="rId19"/>
+    <p:sldId id="280" r:id="rId20"/>
+    <p:sldId id="281" r:id="rId21"/>
+    <p:sldId id="282" r:id="rId22"/>
+    <p:sldId id="283" r:id="rId23"/>
+    <p:sldId id="284" r:id="rId24"/>
+    <p:sldId id="275" r:id="rId25"/>
+    <p:sldId id="276" r:id="rId26"/>
+    <p:sldId id="277" r:id="rId27"/>
+    <p:sldId id="278" r:id="rId28"/>
+    <p:sldId id="257" r:id="rId29"/>
   </p:sldIdLst>
   <p:sldSz cx="9144000" cy="6858000" type="screen4x3"/>
   <p:notesSz cx="6858000" cy="9144000"/>
@@ -214,7 +220,7 @@
             <a:fld id="{153149D9-3CA5-4943-9F2F-C8A821DAC853}" type="datetimeFigureOut">
               <a:rPr kumimoji="1" lang="ja-JP" altLang="en-US" smtClean="0"/>
               <a:pPr/>
-              <a:t>2012/6/15</a:t>
+              <a:t>2012/6/20</a:t>
             </a:fld>
             <a:endParaRPr kumimoji="1" lang="ja-JP" altLang="en-US"/>
           </a:p>
@@ -1296,7 +1302,89 @@
           </a:bodyPr>
           <a:lstStyle/>
           <a:p>
-            <a:endParaRPr kumimoji="1" lang="ja-JP" altLang="en-US"/>
+            <a:r>
+              <a:rPr kumimoji="1" lang="en-US" altLang="ja-JP" sz="1050" i="0" kern="1200" baseline="0" dirty="0" smtClean="0">
+                <a:solidFill>
+                  <a:schemeClr val="tx1"/>
+                </a:solidFill>
+                <a:latin typeface="+mj-ea"/>
+                <a:ea typeface="+mj-ea"/>
+                <a:cs typeface="+mn-cs"/>
+              </a:rPr>
+              <a:t>z1 </a:t>
+            </a:r>
+            <a:r>
+              <a:rPr kumimoji="1" lang="ja-JP" altLang="en-US" sz="1050" i="0" kern="1200" baseline="0" dirty="0" smtClean="0">
+                <a:solidFill>
+                  <a:schemeClr val="tx1"/>
+                </a:solidFill>
+                <a:latin typeface="+mj-ea"/>
+                <a:ea typeface="+mj-ea"/>
+                <a:cs typeface="+mn-cs"/>
+              </a:rPr>
+              <a:t>軸と直交する</a:t>
+            </a:r>
+            <a:r>
+              <a:rPr kumimoji="1" lang="en-US" altLang="ja-JP" sz="1050" i="0" kern="1200" baseline="0" dirty="0" smtClean="0">
+                <a:solidFill>
+                  <a:schemeClr val="tx1"/>
+                </a:solidFill>
+                <a:latin typeface="+mj-ea"/>
+                <a:ea typeface="+mj-ea"/>
+                <a:cs typeface="+mn-cs"/>
+              </a:rPr>
+              <a:t>z2 </a:t>
+            </a:r>
+            <a:r>
+              <a:rPr kumimoji="1" lang="ja-JP" altLang="en-US" sz="1050" i="0" kern="1200" baseline="0" dirty="0" smtClean="0">
+                <a:solidFill>
+                  <a:schemeClr val="tx1"/>
+                </a:solidFill>
+                <a:latin typeface="+mj-ea"/>
+                <a:ea typeface="+mj-ea"/>
+                <a:cs typeface="+mn-cs"/>
+              </a:rPr>
+              <a:t>軸を考える．この</a:t>
+            </a:r>
+            <a:r>
+              <a:rPr kumimoji="1" lang="en-US" altLang="ja-JP" sz="1050" i="0" kern="1200" baseline="0" dirty="0" smtClean="0">
+                <a:solidFill>
+                  <a:schemeClr val="tx1"/>
+                </a:solidFill>
+                <a:latin typeface="+mj-ea"/>
+                <a:ea typeface="+mj-ea"/>
+                <a:cs typeface="+mn-cs"/>
+              </a:rPr>
+              <a:t>z2 </a:t>
+            </a:r>
+            <a:r>
+              <a:rPr kumimoji="1" lang="ja-JP" altLang="en-US" sz="1050" i="0" kern="1200" baseline="0" dirty="0" smtClean="0">
+                <a:solidFill>
+                  <a:schemeClr val="tx1"/>
+                </a:solidFill>
+                <a:latin typeface="+mj-ea"/>
+                <a:ea typeface="+mj-ea"/>
+                <a:cs typeface="+mn-cs"/>
+              </a:rPr>
+              <a:t>軸は「肥満の程度」を表していると解釈できる．このように，「身長」や「体重」といった変</a:t>
+            </a:r>
+          </a:p>
+          <a:p>
+            <a:r>
+              <a:rPr kumimoji="1" lang="ja-JP" altLang="en-US" sz="1050" kern="1200" baseline="0" dirty="0" smtClean="0">
+                <a:solidFill>
+                  <a:schemeClr val="tx1"/>
+                </a:solidFill>
+                <a:latin typeface="+mj-ea"/>
+                <a:ea typeface="+mj-ea"/>
+                <a:cs typeface="+mn-cs"/>
+              </a:rPr>
+              <a:t>数を独立に扱うのではなく，「体の大きさ」や「肥満の程度」といった総合的な指標を導入することによって，データに含まれる変数間の関係や特徴が容易に把握できるようになる．</a:t>
+            </a:r>
+            <a:endParaRPr kumimoji="1" lang="ja-JP" altLang="en-US" sz="1050" dirty="0">
+              <a:latin typeface="+mj-ea"/>
+              <a:ea typeface="+mj-ea"/>
+            </a:endParaRPr>
           </a:p>
         </p:txBody>
       </p:sp>
@@ -1315,10 +1403,10 @@
           <a:bodyPr/>
           <a:lstStyle/>
           <a:p>
-            <a:fld id="{64FDD948-B2C9-4517-8A79-C50DCD1B22EF}" type="slidenum">
+            <a:fld id="{957A6EC6-1031-4AF9-9124-7E0D47C92A6C}" type="slidenum">
               <a:rPr kumimoji="1" lang="ja-JP" altLang="en-US" smtClean="0"/>
               <a:pPr/>
-              <a:t>18</a:t>
+              <a:t>19</a:t>
             </a:fld>
             <a:endParaRPr kumimoji="1" lang="ja-JP" altLang="en-US"/>
           </a:p>
@@ -1378,7 +1466,17 @@
           </a:bodyPr>
           <a:lstStyle/>
           <a:p>
-            <a:endParaRPr kumimoji="1" lang="ja-JP" altLang="en-US"/>
+            <a:r>
+              <a:rPr kumimoji="1" lang="en-US" altLang="ja-JP" dirty="0" err="1" smtClean="0"/>
+              <a:t>V,U,lambda</a:t>
+            </a:r>
+            <a:r>
+              <a:rPr kumimoji="1" lang="en-US" altLang="ja-JP" baseline="0" dirty="0" smtClean="0"/>
+              <a:t> : M×M</a:t>
+            </a:r>
+          </a:p>
+          <a:p>
+            <a:endParaRPr kumimoji="1" lang="ja-JP" altLang="en-US" dirty="0"/>
           </a:p>
         </p:txBody>
       </p:sp>
@@ -1397,10 +1495,10 @@
           <a:bodyPr/>
           <a:lstStyle/>
           <a:p>
-            <a:fld id="{64FDD948-B2C9-4517-8A79-C50DCD1B22EF}" type="slidenum">
+            <a:fld id="{957A6EC6-1031-4AF9-9124-7E0D47C92A6C}" type="slidenum">
               <a:rPr kumimoji="1" lang="ja-JP" altLang="en-US" smtClean="0"/>
               <a:pPr/>
-              <a:t>19</a:t>
+              <a:t>21</a:t>
             </a:fld>
             <a:endParaRPr kumimoji="1" lang="ja-JP" altLang="en-US"/>
           </a:p>
@@ -1564,7 +1662,7 @@
             <a:fld id="{64FDD948-B2C9-4517-8A79-C50DCD1B22EF}" type="slidenum">
               <a:rPr kumimoji="1" lang="ja-JP" altLang="en-US" smtClean="0"/>
               <a:pPr/>
-              <a:t>20</a:t>
+              <a:t>24</a:t>
             </a:fld>
             <a:endParaRPr kumimoji="1" lang="ja-JP" altLang="en-US"/>
           </a:p>
@@ -1646,7 +1744,7 @@
             <a:fld id="{64FDD948-B2C9-4517-8A79-C50DCD1B22EF}" type="slidenum">
               <a:rPr kumimoji="1" lang="ja-JP" altLang="en-US" smtClean="0"/>
               <a:pPr/>
-              <a:t>21</a:t>
+              <a:t>25</a:t>
             </a:fld>
             <a:endParaRPr kumimoji="1" lang="ja-JP" altLang="en-US"/>
           </a:p>
@@ -1728,7 +1826,171 @@
             <a:fld id="{64FDD948-B2C9-4517-8A79-C50DCD1B22EF}" type="slidenum">
               <a:rPr kumimoji="1" lang="ja-JP" altLang="en-US" smtClean="0"/>
               <a:pPr/>
-              <a:t>22</a:t>
+              <a:t>26</a:t>
+            </a:fld>
+            <a:endParaRPr kumimoji="1" lang="ja-JP" altLang="en-US"/>
+          </a:p>
+        </p:txBody>
+      </p:sp>
+    </p:spTree>
+  </p:cSld>
+  <p:clrMapOvr>
+    <a:masterClrMapping/>
+  </p:clrMapOvr>
+</p:notes>
+</file>
+
+<file path=ppt/notesSlides/notesSlide23.xml><?xml version="1.0" encoding="utf-8"?>
+<p:notes xmlns:a="http://schemas.openxmlformats.org/drawingml/2006/main" xmlns:r="http://schemas.openxmlformats.org/officeDocument/2006/relationships" xmlns:p="http://schemas.openxmlformats.org/presentationml/2006/main">
+  <p:cSld>
+    <p:spTree>
+      <p:nvGrpSpPr>
+        <p:cNvPr id="1" name=""/>
+        <p:cNvGrpSpPr/>
+        <p:nvPr/>
+      </p:nvGrpSpPr>
+      <p:grpSpPr>
+        <a:xfrm>
+          <a:off x="0" y="0"/>
+          <a:ext cx="0" cy="0"/>
+          <a:chOff x="0" y="0"/>
+          <a:chExt cx="0" cy="0"/>
+        </a:xfrm>
+      </p:grpSpPr>
+      <p:sp>
+        <p:nvSpPr>
+          <p:cNvPr id="2" name="スライド イメージ プレースホルダ 1"/>
+          <p:cNvSpPr>
+            <a:spLocks noGrp="1" noRot="1" noChangeAspect="1"/>
+          </p:cNvSpPr>
+          <p:nvPr>
+            <p:ph type="sldImg"/>
+          </p:nvPr>
+        </p:nvSpPr>
+        <p:spPr/>
+      </p:sp>
+      <p:sp>
+        <p:nvSpPr>
+          <p:cNvPr id="3" name="ノート プレースホルダ 2"/>
+          <p:cNvSpPr>
+            <a:spLocks noGrp="1"/>
+          </p:cNvSpPr>
+          <p:nvPr>
+            <p:ph type="body" idx="1"/>
+          </p:nvPr>
+        </p:nvSpPr>
+        <p:spPr/>
+        <p:txBody>
+          <a:bodyPr>
+            <a:normAutofit/>
+          </a:bodyPr>
+          <a:lstStyle/>
+          <a:p>
+            <a:endParaRPr kumimoji="1" lang="ja-JP" altLang="en-US"/>
+          </a:p>
+        </p:txBody>
+      </p:sp>
+      <p:sp>
+        <p:nvSpPr>
+          <p:cNvPr id="4" name="スライド番号プレースホルダ 3"/>
+          <p:cNvSpPr>
+            <a:spLocks noGrp="1"/>
+          </p:cNvSpPr>
+          <p:nvPr>
+            <p:ph type="sldNum" sz="quarter" idx="10"/>
+          </p:nvPr>
+        </p:nvSpPr>
+        <p:spPr/>
+        <p:txBody>
+          <a:bodyPr/>
+          <a:lstStyle/>
+          <a:p>
+            <a:fld id="{64FDD948-B2C9-4517-8A79-C50DCD1B22EF}" type="slidenum">
+              <a:rPr kumimoji="1" lang="ja-JP" altLang="en-US" smtClean="0"/>
+              <a:pPr/>
+              <a:t>27</a:t>
+            </a:fld>
+            <a:endParaRPr kumimoji="1" lang="ja-JP" altLang="en-US"/>
+          </a:p>
+        </p:txBody>
+      </p:sp>
+    </p:spTree>
+  </p:cSld>
+  <p:clrMapOvr>
+    <a:masterClrMapping/>
+  </p:clrMapOvr>
+</p:notes>
+</file>
+
+<file path=ppt/notesSlides/notesSlide24.xml><?xml version="1.0" encoding="utf-8"?>
+<p:notes xmlns:a="http://schemas.openxmlformats.org/drawingml/2006/main" xmlns:r="http://schemas.openxmlformats.org/officeDocument/2006/relationships" xmlns:p="http://schemas.openxmlformats.org/presentationml/2006/main">
+  <p:cSld>
+    <p:spTree>
+      <p:nvGrpSpPr>
+        <p:cNvPr id="1" name=""/>
+        <p:cNvGrpSpPr/>
+        <p:nvPr/>
+      </p:nvGrpSpPr>
+      <p:grpSpPr>
+        <a:xfrm>
+          <a:off x="0" y="0"/>
+          <a:ext cx="0" cy="0"/>
+          <a:chOff x="0" y="0"/>
+          <a:chExt cx="0" cy="0"/>
+        </a:xfrm>
+      </p:grpSpPr>
+      <p:sp>
+        <p:nvSpPr>
+          <p:cNvPr id="2" name="スライド イメージ プレースホルダ 1"/>
+          <p:cNvSpPr>
+            <a:spLocks noGrp="1" noRot="1" noChangeAspect="1"/>
+          </p:cNvSpPr>
+          <p:nvPr>
+            <p:ph type="sldImg"/>
+          </p:nvPr>
+        </p:nvSpPr>
+        <p:spPr/>
+      </p:sp>
+      <p:sp>
+        <p:nvSpPr>
+          <p:cNvPr id="3" name="ノート プレースホルダ 2"/>
+          <p:cNvSpPr>
+            <a:spLocks noGrp="1"/>
+          </p:cNvSpPr>
+          <p:nvPr>
+            <p:ph type="body" idx="1"/>
+          </p:nvPr>
+        </p:nvSpPr>
+        <p:spPr/>
+        <p:txBody>
+          <a:bodyPr>
+            <a:normAutofit/>
+          </a:bodyPr>
+          <a:lstStyle/>
+          <a:p>
+            <a:endParaRPr kumimoji="1" lang="ja-JP" altLang="en-US"/>
+          </a:p>
+        </p:txBody>
+      </p:sp>
+      <p:sp>
+        <p:nvSpPr>
+          <p:cNvPr id="4" name="スライド番号プレースホルダ 3"/>
+          <p:cNvSpPr>
+            <a:spLocks noGrp="1"/>
+          </p:cNvSpPr>
+          <p:nvPr>
+            <p:ph type="sldNum" sz="quarter" idx="10"/>
+          </p:nvPr>
+        </p:nvSpPr>
+        <p:spPr/>
+        <p:txBody>
+          <a:bodyPr/>
+          <a:lstStyle/>
+          <a:p>
+            <a:fld id="{64FDD948-B2C9-4517-8A79-C50DCD1B22EF}" type="slidenum">
+              <a:rPr kumimoji="1" lang="ja-JP" altLang="en-US" smtClean="0"/>
+              <a:pPr/>
+              <a:t>28</a:t>
             </a:fld>
             <a:endParaRPr kumimoji="1" lang="ja-JP" altLang="en-US"/>
           </a:p>
@@ -2498,7 +2760,7 @@
             <a:fld id="{F6DE6083-BE95-4104-99CA-5C93F0E0D514}" type="datetimeFigureOut">
               <a:rPr kumimoji="1" lang="ja-JP" altLang="en-US" smtClean="0"/>
               <a:pPr/>
-              <a:t>2012/6/15</a:t>
+              <a:t>2012/6/20</a:t>
             </a:fld>
             <a:endParaRPr kumimoji="1" lang="ja-JP" altLang="en-US"/>
           </a:p>
@@ -2697,7 +2959,7 @@
             <a:fld id="{F6DE6083-BE95-4104-99CA-5C93F0E0D514}" type="datetimeFigureOut">
               <a:rPr kumimoji="1" lang="ja-JP" altLang="en-US" smtClean="0"/>
               <a:pPr/>
-              <a:t>2012/6/15</a:t>
+              <a:t>2012/6/20</a:t>
             </a:fld>
             <a:endParaRPr kumimoji="1" lang="ja-JP" altLang="en-US"/>
           </a:p>
@@ -2906,7 +3168,7 @@
             <a:fld id="{F6DE6083-BE95-4104-99CA-5C93F0E0D514}" type="datetimeFigureOut">
               <a:rPr kumimoji="1" lang="ja-JP" altLang="en-US" smtClean="0"/>
               <a:pPr/>
-              <a:t>2012/6/15</a:t>
+              <a:t>2012/6/20</a:t>
             </a:fld>
             <a:endParaRPr kumimoji="1" lang="ja-JP" altLang="en-US"/>
           </a:p>
@@ -3105,7 +3367,7 @@
             <a:fld id="{F6DE6083-BE95-4104-99CA-5C93F0E0D514}" type="datetimeFigureOut">
               <a:rPr kumimoji="1" lang="ja-JP" altLang="en-US" smtClean="0"/>
               <a:pPr/>
-              <a:t>2012/6/15</a:t>
+              <a:t>2012/6/20</a:t>
             </a:fld>
             <a:endParaRPr kumimoji="1" lang="ja-JP" altLang="en-US"/>
           </a:p>
@@ -3348,7 +3610,7 @@
             <a:fld id="{F6DE6083-BE95-4104-99CA-5C93F0E0D514}" type="datetimeFigureOut">
               <a:rPr kumimoji="1" lang="ja-JP" altLang="en-US" smtClean="0"/>
               <a:pPr/>
-              <a:t>2012/6/15</a:t>
+              <a:t>2012/6/20</a:t>
             </a:fld>
             <a:endParaRPr kumimoji="1" lang="ja-JP" altLang="en-US"/>
           </a:p>
@@ -3697,7 +3959,7 @@
             <a:fld id="{F6DE6083-BE95-4104-99CA-5C93F0E0D514}" type="datetimeFigureOut">
               <a:rPr kumimoji="1" lang="ja-JP" altLang="en-US" smtClean="0"/>
               <a:pPr/>
-              <a:t>2012/6/15</a:t>
+              <a:t>2012/6/20</a:t>
             </a:fld>
             <a:endParaRPr kumimoji="1" lang="ja-JP" altLang="en-US"/>
           </a:p>
@@ -4180,7 +4442,7 @@
             <a:fld id="{F6DE6083-BE95-4104-99CA-5C93F0E0D514}" type="datetimeFigureOut">
               <a:rPr kumimoji="1" lang="ja-JP" altLang="en-US" smtClean="0"/>
               <a:pPr/>
-              <a:t>2012/6/15</a:t>
+              <a:t>2012/6/20</a:t>
             </a:fld>
             <a:endParaRPr kumimoji="1" lang="ja-JP" altLang="en-US"/>
           </a:p>
@@ -4295,7 +4557,7 @@
             <a:fld id="{F6DE6083-BE95-4104-99CA-5C93F0E0D514}" type="datetimeFigureOut">
               <a:rPr kumimoji="1" lang="ja-JP" altLang="en-US" smtClean="0"/>
               <a:pPr/>
-              <a:t>2012/6/15</a:t>
+              <a:t>2012/6/20</a:t>
             </a:fld>
             <a:endParaRPr kumimoji="1" lang="ja-JP" altLang="en-US"/>
           </a:p>
@@ -4387,7 +4649,7 @@
             <a:fld id="{F6DE6083-BE95-4104-99CA-5C93F0E0D514}" type="datetimeFigureOut">
               <a:rPr kumimoji="1" lang="ja-JP" altLang="en-US" smtClean="0"/>
               <a:pPr/>
-              <a:t>2012/6/15</a:t>
+              <a:t>2012/6/20</a:t>
             </a:fld>
             <a:endParaRPr kumimoji="1" lang="ja-JP" altLang="en-US"/>
           </a:p>
@@ -4693,7 +4955,7 @@
             <a:fld id="{F6DE6083-BE95-4104-99CA-5C93F0E0D514}" type="datetimeFigureOut">
               <a:rPr kumimoji="1" lang="ja-JP" altLang="en-US" smtClean="0"/>
               <a:pPr/>
-              <a:t>2012/6/15</a:t>
+              <a:t>2012/6/20</a:t>
             </a:fld>
             <a:endParaRPr kumimoji="1" lang="ja-JP" altLang="en-US"/>
           </a:p>
@@ -4943,7 +5205,7 @@
             <a:fld id="{F6DE6083-BE95-4104-99CA-5C93F0E0D514}" type="datetimeFigureOut">
               <a:rPr kumimoji="1" lang="ja-JP" altLang="en-US" smtClean="0"/>
               <a:pPr/>
-              <a:t>2012/6/15</a:t>
+              <a:t>2012/6/20</a:t>
             </a:fld>
             <a:endParaRPr kumimoji="1" lang="ja-JP" altLang="en-US"/>
           </a:p>
@@ -5188,7 +5450,7 @@
             <a:fld id="{F6DE6083-BE95-4104-99CA-5C93F0E0D514}" type="datetimeFigureOut">
               <a:rPr kumimoji="1" lang="ja-JP" altLang="en-US" smtClean="0"/>
               <a:pPr/>
-              <a:t>2012/6/15</a:t>
+              <a:t>2012/6/20</a:t>
             </a:fld>
             <a:endParaRPr kumimoji="1" lang="ja-JP" altLang="en-US"/>
           </a:p>
@@ -5672,11 +5934,7 @@
           <a:p>
             <a:r>
               <a:rPr lang="ja-JP" altLang="en-US" dirty="0" smtClean="0"/>
-              <a:t>ハード面の主な</a:t>
-            </a:r>
-            <a:r>
-              <a:rPr lang="ja-JP" altLang="en-US" dirty="0" smtClean="0"/>
-              <a:t>工夫点</a:t>
+              <a:t>ハード面の主な工夫点</a:t>
             </a:r>
             <a:endParaRPr kumimoji="1" lang="ja-JP" altLang="en-US" dirty="0">
               <a:latin typeface="HGS明朝B" pitchFamily="18" charset="-128"/>
@@ -5843,22 +6101,14 @@
           <a:p>
             <a:r>
               <a:rPr lang="ja-JP" altLang="en-US" dirty="0" smtClean="0"/>
-              <a:t>カメラ</a:t>
-            </a:r>
-            <a:r>
-              <a:rPr lang="ja-JP" altLang="en-US" dirty="0" smtClean="0"/>
-              <a:t>の角度も調節可能</a:t>
+              <a:t>カメラの角度も調節可能</a:t>
             </a:r>
             <a:endParaRPr lang="en-US" altLang="ja-JP" dirty="0" smtClean="0"/>
           </a:p>
           <a:p>
             <a:r>
               <a:rPr kumimoji="1" lang="ja-JP" altLang="en-US" dirty="0" smtClean="0"/>
-              <a:t>カメラ</a:t>
-            </a:r>
-            <a:r>
-              <a:rPr kumimoji="1" lang="ja-JP" altLang="en-US" dirty="0" smtClean="0"/>
-              <a:t>のモーター、タイヤの左右のモーター</a:t>
+              <a:t>カメラのモーター、タイヤの左右のモーター</a:t>
             </a:r>
             <a:r>
               <a:rPr lang="ja-JP" altLang="en-US" dirty="0" smtClean="0"/>
@@ -6563,6 +6813,84 @@
           <a:chExt cx="0" cy="0"/>
         </a:xfrm>
       </p:grpSpPr>
+      <p:pic>
+        <p:nvPicPr>
+          <p:cNvPr id="1031" name="Picture 7" descr="C:\Users\t2ladmin\Desktop\articles\monrogray.jpg"/>
+          <p:cNvPicPr>
+            <a:picLocks noChangeAspect="1" noChangeArrowheads="1"/>
+          </p:cNvPicPr>
+          <p:nvPr/>
+        </p:nvPicPr>
+        <p:blipFill>
+          <a:blip r:embed="rId2" cstate="print"/>
+          <a:srcRect/>
+          <a:stretch>
+            <a:fillRect/>
+          </a:stretch>
+        </p:blipFill>
+        <p:spPr bwMode="auto">
+          <a:xfrm>
+            <a:off x="4355976" y="4293096"/>
+            <a:ext cx="1800199" cy="1800199"/>
+          </a:xfrm>
+          <a:prstGeom prst="rect">
+            <a:avLst/>
+          </a:prstGeom>
+          <a:noFill/>
+        </p:spPr>
+      </p:pic>
+      <p:pic>
+        <p:nvPicPr>
+          <p:cNvPr id="1030" name="Picture 6" descr="C:\Users\t2ladmin\Desktop\articles\monro00.jpg"/>
+          <p:cNvPicPr>
+            <a:picLocks noChangeAspect="1" noChangeArrowheads="1"/>
+          </p:cNvPicPr>
+          <p:nvPr/>
+        </p:nvPicPr>
+        <p:blipFill>
+          <a:blip r:embed="rId3" cstate="print"/>
+          <a:srcRect/>
+          <a:stretch>
+            <a:fillRect/>
+          </a:stretch>
+        </p:blipFill>
+        <p:spPr bwMode="auto">
+          <a:xfrm>
+            <a:off x="467544" y="3789040"/>
+            <a:ext cx="2736304" cy="2736304"/>
+          </a:xfrm>
+          <a:prstGeom prst="rect">
+            <a:avLst/>
+          </a:prstGeom>
+          <a:noFill/>
+        </p:spPr>
+      </p:pic>
+      <p:pic>
+        <p:nvPicPr>
+          <p:cNvPr id="4" name="Picture 2" descr="C:\Users\t2ladmin\Documents\Visual Studio 2010\Projects\FaceRecognition\FaceRecognition\monroDct.jpg"/>
+          <p:cNvPicPr>
+            <a:picLocks noChangeAspect="1" noChangeArrowheads="1"/>
+          </p:cNvPicPr>
+          <p:nvPr/>
+        </p:nvPicPr>
+        <p:blipFill>
+          <a:blip r:embed="rId4" cstate="print"/>
+          <a:srcRect/>
+          <a:stretch>
+            <a:fillRect/>
+          </a:stretch>
+        </p:blipFill>
+        <p:spPr bwMode="auto">
+          <a:xfrm>
+            <a:off x="467544" y="3789040"/>
+            <a:ext cx="2736304" cy="2736303"/>
+          </a:xfrm>
+          <a:prstGeom prst="rect">
+            <a:avLst/>
+          </a:prstGeom>
+          <a:noFill/>
+        </p:spPr>
+      </p:pic>
       <p:sp>
         <p:nvSpPr>
           <p:cNvPr id="2" name="タイトル 1"/>
@@ -6573,30 +6901,228 @@
             <p:ph type="title"/>
           </p:nvPr>
         </p:nvSpPr>
-        <p:spPr/>
+        <p:spPr>
+          <a:xfrm>
+            <a:off x="457200" y="274638"/>
+            <a:ext cx="8229600" cy="994122"/>
+          </a:xfrm>
+        </p:spPr>
         <p:txBody>
           <a:bodyPr/>
           <a:lstStyle/>
           <a:p>
+            <a:r>
+              <a:rPr kumimoji="1" lang="ja-JP" altLang="en-US" dirty="0" smtClean="0"/>
+              <a:t>機構</a:t>
+            </a:r>
+            <a:r>
+              <a:rPr kumimoji="1" lang="en-US" altLang="ja-JP" dirty="0" smtClean="0"/>
+              <a:t>(</a:t>
+            </a:r>
+            <a:r>
+              <a:rPr kumimoji="1" lang="ja-JP" altLang="en-US" dirty="0" smtClean="0"/>
+              <a:t>顔検出</a:t>
+            </a:r>
+            <a:r>
+              <a:rPr kumimoji="1" lang="en-US" altLang="ja-JP" dirty="0" smtClean="0"/>
+              <a:t>)</a:t>
+            </a:r>
+            <a:endParaRPr kumimoji="1" lang="ja-JP" altLang="en-US" dirty="0"/>
+          </a:p>
+        </p:txBody>
+      </p:sp>
+      <p:sp>
+        <p:nvSpPr>
+          <p:cNvPr id="3" name="コンテンツ プレースホルダ 2"/>
+          <p:cNvSpPr>
+            <a:spLocks noGrp="1"/>
+          </p:cNvSpPr>
+          <p:nvPr>
+            <p:ph idx="1"/>
+          </p:nvPr>
+        </p:nvSpPr>
+        <p:spPr>
+          <a:xfrm>
+            <a:off x="467544" y="1412776"/>
+            <a:ext cx="8229600" cy="2332856"/>
+          </a:xfrm>
+        </p:spPr>
+        <p:txBody>
+          <a:bodyPr>
+            <a:normAutofit fontScale="92500"/>
+          </a:bodyPr>
+          <a:lstStyle/>
+          <a:p>
+            <a:r>
+              <a:rPr lang="en-US" altLang="ja-JP" dirty="0" smtClean="0"/>
+              <a:t>Intel</a:t>
+            </a:r>
+            <a:r>
+              <a:rPr lang="ja-JP" altLang="en-US" dirty="0" smtClean="0"/>
+              <a:t>の画像処理ライブラリ</a:t>
+            </a:r>
+            <a:r>
+              <a:rPr lang="en-US" altLang="ja-JP" dirty="0" err="1" smtClean="0"/>
+              <a:t>OpenCV</a:t>
+            </a:r>
+            <a:r>
+              <a:rPr lang="ja-JP" altLang="en-US" dirty="0" smtClean="0"/>
+              <a:t>の</a:t>
+            </a:r>
+            <a:r>
+              <a:rPr lang="en-US" altLang="ja-JP" dirty="0" err="1" smtClean="0"/>
+              <a:t>Haar</a:t>
+            </a:r>
+            <a:r>
+              <a:rPr lang="en-US" altLang="ja-JP" dirty="0" smtClean="0"/>
+              <a:t>-like</a:t>
+            </a:r>
+            <a:r>
+              <a:rPr lang="ja-JP" altLang="en-US" dirty="0" smtClean="0"/>
+              <a:t>特徴を用いる分類器によって顔、鼻などを検出</a:t>
+            </a:r>
+            <a:endParaRPr lang="en-US" altLang="ja-JP" dirty="0" smtClean="0"/>
+          </a:p>
+          <a:p>
+            <a:r>
+              <a:rPr lang="ja-JP" altLang="en-US" dirty="0"/>
+              <a:t>検出した顔</a:t>
+            </a:r>
+            <a:r>
+              <a:rPr lang="ja-JP" altLang="en-US" dirty="0" smtClean="0"/>
+              <a:t>を鼻中心にトリミングし、グレースケールの画像に変換して主成分分析を行う</a:t>
+            </a:r>
+          </a:p>
+        </p:txBody>
+      </p:sp>
+      <p:pic>
+        <p:nvPicPr>
+          <p:cNvPr id="1027" name="Picture 3" descr="C:\Users\t2ladmin\Desktop\articles\monro02.jpg"/>
+          <p:cNvPicPr>
+            <a:picLocks noChangeAspect="1" noChangeArrowheads="1"/>
+          </p:cNvPicPr>
+          <p:nvPr/>
+        </p:nvPicPr>
+        <p:blipFill>
+          <a:blip r:embed="rId5" cstate="print"/>
+          <a:srcRect/>
+          <a:stretch>
+            <a:fillRect/>
+          </a:stretch>
+        </p:blipFill>
+        <p:spPr bwMode="auto">
+          <a:xfrm>
+            <a:off x="4355976" y="4293096"/>
+            <a:ext cx="1814977" cy="1792360"/>
+          </a:xfrm>
+          <a:prstGeom prst="rect">
+            <a:avLst/>
+          </a:prstGeom>
+          <a:noFill/>
+        </p:spPr>
+      </p:pic>
+      <p:pic>
+        <p:nvPicPr>
+          <p:cNvPr id="1029" name="Picture 5" descr="C:\Users\t2ladmin\Desktop\articles\monro03.jpg"/>
+          <p:cNvPicPr>
+            <a:picLocks noChangeAspect="1" noChangeArrowheads="1"/>
+          </p:cNvPicPr>
+          <p:nvPr/>
+        </p:nvPicPr>
+        <p:blipFill>
+          <a:blip r:embed="rId6" cstate="print"/>
+          <a:srcRect/>
+          <a:stretch>
+            <a:fillRect/>
+          </a:stretch>
+        </p:blipFill>
+        <p:spPr bwMode="auto">
+          <a:xfrm>
+            <a:off x="7452320" y="4869160"/>
+            <a:ext cx="609600" cy="609600"/>
+          </a:xfrm>
+          <a:prstGeom prst="rect">
+            <a:avLst/>
+          </a:prstGeom>
+          <a:noFill/>
+        </p:spPr>
+      </p:pic>
+      <p:sp>
+        <p:nvSpPr>
+          <p:cNvPr id="10" name="右矢印 9"/>
+          <p:cNvSpPr/>
+          <p:nvPr/>
+        </p:nvSpPr>
+        <p:spPr>
+          <a:xfrm>
+            <a:off x="3491880" y="4869160"/>
+            <a:ext cx="576064" cy="504056"/>
+          </a:xfrm>
+          <a:prstGeom prst="rightArrow">
+            <a:avLst/>
+          </a:prstGeom>
+        </p:spPr>
+        <p:style>
+          <a:lnRef idx="2">
+            <a:schemeClr val="accent1">
+              <a:shade val="50000"/>
+            </a:schemeClr>
+          </a:lnRef>
+          <a:fillRef idx="1">
+            <a:schemeClr val="accent1"/>
+          </a:fillRef>
+          <a:effectRef idx="0">
+            <a:schemeClr val="accent1"/>
+          </a:effectRef>
+          <a:fontRef idx="minor">
+            <a:schemeClr val="lt1"/>
+          </a:fontRef>
+        </p:style>
+        <p:txBody>
+          <a:bodyPr rtlCol="0" anchor="ctr"/>
+          <a:lstStyle/>
+          <a:p>
+            <a:pPr algn="ctr"/>
             <a:endParaRPr kumimoji="1" lang="ja-JP" altLang="en-US"/>
           </a:p>
         </p:txBody>
       </p:sp>
       <p:sp>
         <p:nvSpPr>
-          <p:cNvPr id="3" name="コンテンツ プレースホルダ 2"/>
-          <p:cNvSpPr>
-            <a:spLocks noGrp="1"/>
-          </p:cNvSpPr>
-          <p:nvPr>
-            <p:ph idx="1"/>
-          </p:nvPr>
-        </p:nvSpPr>
-        <p:spPr/>
-        <p:txBody>
-          <a:bodyPr/>
-          <a:lstStyle/>
-          <a:p>
+          <p:cNvPr id="11" name="右矢印 10"/>
+          <p:cNvSpPr/>
+          <p:nvPr/>
+        </p:nvSpPr>
+        <p:spPr>
+          <a:xfrm>
+            <a:off x="6444208" y="4941168"/>
+            <a:ext cx="576064" cy="432048"/>
+          </a:xfrm>
+          <a:prstGeom prst="rightArrow">
+            <a:avLst/>
+          </a:prstGeom>
+        </p:spPr>
+        <p:style>
+          <a:lnRef idx="2">
+            <a:schemeClr val="accent1">
+              <a:shade val="50000"/>
+            </a:schemeClr>
+          </a:lnRef>
+          <a:fillRef idx="1">
+            <a:schemeClr val="accent1"/>
+          </a:fillRef>
+          <a:effectRef idx="0">
+            <a:schemeClr val="accent1"/>
+          </a:effectRef>
+          <a:fontRef idx="minor">
+            <a:schemeClr val="lt1"/>
+          </a:fontRef>
+        </p:style>
+        <p:txBody>
+          <a:bodyPr rtlCol="0" anchor="ctr"/>
+          <a:lstStyle/>
+          <a:p>
+            <a:pPr algn="ctr"/>
             <a:endParaRPr kumimoji="1" lang="ja-JP" altLang="en-US"/>
           </a:p>
         </p:txBody>
@@ -6606,6 +7132,450 @@
   <p:clrMapOvr>
     <a:masterClrMapping/>
   </p:clrMapOvr>
+  <p:timing>
+    <p:tnLst>
+      <p:par>
+        <p:cTn id="1" dur="indefinite" restart="never" nodeType="tmRoot">
+          <p:childTnLst>
+            <p:seq concurrent="1" nextAc="seek">
+              <p:cTn id="2" dur="indefinite" nodeType="mainSeq">
+                <p:childTnLst>
+                  <p:par>
+                    <p:cTn id="3" fill="hold">
+                      <p:stCondLst>
+                        <p:cond delay="indefinite"/>
+                      </p:stCondLst>
+                      <p:childTnLst>
+                        <p:par>
+                          <p:cTn id="4" fill="hold">
+                            <p:stCondLst>
+                              <p:cond delay="0"/>
+                            </p:stCondLst>
+                            <p:childTnLst>
+                              <p:par>
+                                <p:cTn id="5" presetID="21" presetClass="entr" presetSubtype="4" fill="hold" nodeType="clickEffect">
+                                  <p:stCondLst>
+                                    <p:cond delay="0"/>
+                                  </p:stCondLst>
+                                  <p:childTnLst>
+                                    <p:set>
+                                      <p:cBhvr>
+                                        <p:cTn id="6" dur="1" fill="hold">
+                                          <p:stCondLst>
+                                            <p:cond delay="0"/>
+                                          </p:stCondLst>
+                                        </p:cTn>
+                                        <p:tgtEl>
+                                          <p:spTgt spid="4"/>
+                                        </p:tgtEl>
+                                        <p:attrNameLst>
+                                          <p:attrName>style.visibility</p:attrName>
+                                        </p:attrNameLst>
+                                      </p:cBhvr>
+                                      <p:to>
+                                        <p:strVal val="visible"/>
+                                      </p:to>
+                                    </p:set>
+                                    <p:animEffect transition="in" filter="wheel(4)">
+                                      <p:cBhvr>
+                                        <p:cTn id="7" dur="2000"/>
+                                        <p:tgtEl>
+                                          <p:spTgt spid="4"/>
+                                        </p:tgtEl>
+                                      </p:cBhvr>
+                                    </p:animEffect>
+                                  </p:childTnLst>
+                                </p:cTn>
+                              </p:par>
+                            </p:childTnLst>
+                          </p:cTn>
+                        </p:par>
+                      </p:childTnLst>
+                    </p:cTn>
+                  </p:par>
+                  <p:par>
+                    <p:cTn id="8" fill="hold">
+                      <p:stCondLst>
+                        <p:cond delay="indefinite"/>
+                      </p:stCondLst>
+                      <p:childTnLst>
+                        <p:par>
+                          <p:cTn id="9" fill="hold">
+                            <p:stCondLst>
+                              <p:cond delay="0"/>
+                            </p:stCondLst>
+                            <p:childTnLst>
+                              <p:par>
+                                <p:cTn id="10" presetID="53" presetClass="entr" presetSubtype="0" fill="hold" grpId="0" nodeType="clickEffect">
+                                  <p:stCondLst>
+                                    <p:cond delay="0"/>
+                                  </p:stCondLst>
+                                  <p:childTnLst>
+                                    <p:set>
+                                      <p:cBhvr>
+                                        <p:cTn id="11" dur="1" fill="hold">
+                                          <p:stCondLst>
+                                            <p:cond delay="0"/>
+                                          </p:stCondLst>
+                                        </p:cTn>
+                                        <p:tgtEl>
+                                          <p:spTgt spid="10"/>
+                                        </p:tgtEl>
+                                        <p:attrNameLst>
+                                          <p:attrName>style.visibility</p:attrName>
+                                        </p:attrNameLst>
+                                      </p:cBhvr>
+                                      <p:to>
+                                        <p:strVal val="visible"/>
+                                      </p:to>
+                                    </p:set>
+                                    <p:anim calcmode="lin" valueType="num">
+                                      <p:cBhvr>
+                                        <p:cTn id="12" dur="500" fill="hold"/>
+                                        <p:tgtEl>
+                                          <p:spTgt spid="10"/>
+                                        </p:tgtEl>
+                                        <p:attrNameLst>
+                                          <p:attrName>ppt_w</p:attrName>
+                                        </p:attrNameLst>
+                                      </p:cBhvr>
+                                      <p:tavLst>
+                                        <p:tav tm="0">
+                                          <p:val>
+                                            <p:fltVal val="0"/>
+                                          </p:val>
+                                        </p:tav>
+                                        <p:tav tm="100000">
+                                          <p:val>
+                                            <p:strVal val="#ppt_w"/>
+                                          </p:val>
+                                        </p:tav>
+                                      </p:tavLst>
+                                    </p:anim>
+                                    <p:anim calcmode="lin" valueType="num">
+                                      <p:cBhvr>
+                                        <p:cTn id="13" dur="500" fill="hold"/>
+                                        <p:tgtEl>
+                                          <p:spTgt spid="10"/>
+                                        </p:tgtEl>
+                                        <p:attrNameLst>
+                                          <p:attrName>ppt_h</p:attrName>
+                                        </p:attrNameLst>
+                                      </p:cBhvr>
+                                      <p:tavLst>
+                                        <p:tav tm="0">
+                                          <p:val>
+                                            <p:fltVal val="0"/>
+                                          </p:val>
+                                        </p:tav>
+                                        <p:tav tm="100000">
+                                          <p:val>
+                                            <p:strVal val="#ppt_h"/>
+                                          </p:val>
+                                        </p:tav>
+                                      </p:tavLst>
+                                    </p:anim>
+                                    <p:animEffect transition="in" filter="fade">
+                                      <p:cBhvr>
+                                        <p:cTn id="14" dur="500"/>
+                                        <p:tgtEl>
+                                          <p:spTgt spid="10"/>
+                                        </p:tgtEl>
+                                      </p:cBhvr>
+                                    </p:animEffect>
+                                  </p:childTnLst>
+                                </p:cTn>
+                              </p:par>
+                            </p:childTnLst>
+                          </p:cTn>
+                        </p:par>
+                      </p:childTnLst>
+                    </p:cTn>
+                  </p:par>
+                  <p:par>
+                    <p:cTn id="15" fill="hold">
+                      <p:stCondLst>
+                        <p:cond delay="indefinite"/>
+                      </p:stCondLst>
+                      <p:childTnLst>
+                        <p:par>
+                          <p:cTn id="16" fill="hold">
+                            <p:stCondLst>
+                              <p:cond delay="0"/>
+                            </p:stCondLst>
+                            <p:childTnLst>
+                              <p:par>
+                                <p:cTn id="17" presetID="18" presetClass="entr" presetSubtype="12" fill="hold" nodeType="clickEffect">
+                                  <p:stCondLst>
+                                    <p:cond delay="0"/>
+                                  </p:stCondLst>
+                                  <p:childTnLst>
+                                    <p:set>
+                                      <p:cBhvr>
+                                        <p:cTn id="18" dur="1" fill="hold">
+                                          <p:stCondLst>
+                                            <p:cond delay="0"/>
+                                          </p:stCondLst>
+                                        </p:cTn>
+                                        <p:tgtEl>
+                                          <p:spTgt spid="1031"/>
+                                        </p:tgtEl>
+                                        <p:attrNameLst>
+                                          <p:attrName>style.visibility</p:attrName>
+                                        </p:attrNameLst>
+                                      </p:cBhvr>
+                                      <p:to>
+                                        <p:strVal val="visible"/>
+                                      </p:to>
+                                    </p:set>
+                                    <p:animEffect transition="in" filter="strips(downLeft)">
+                                      <p:cBhvr>
+                                        <p:cTn id="19" dur="500"/>
+                                        <p:tgtEl>
+                                          <p:spTgt spid="1031"/>
+                                        </p:tgtEl>
+                                      </p:cBhvr>
+                                    </p:animEffect>
+                                  </p:childTnLst>
+                                </p:cTn>
+                              </p:par>
+                            </p:childTnLst>
+                          </p:cTn>
+                        </p:par>
+                      </p:childTnLst>
+                    </p:cTn>
+                  </p:par>
+                  <p:par>
+                    <p:cTn id="20" fill="hold">
+                      <p:stCondLst>
+                        <p:cond delay="indefinite"/>
+                      </p:stCondLst>
+                      <p:childTnLst>
+                        <p:par>
+                          <p:cTn id="21" fill="hold">
+                            <p:stCondLst>
+                              <p:cond delay="0"/>
+                            </p:stCondLst>
+                            <p:childTnLst>
+                              <p:par>
+                                <p:cTn id="22" presetID="6" presetClass="entr" presetSubtype="32" fill="hold" nodeType="clickEffect">
+                                  <p:stCondLst>
+                                    <p:cond delay="0"/>
+                                  </p:stCondLst>
+                                  <p:childTnLst>
+                                    <p:set>
+                                      <p:cBhvr>
+                                        <p:cTn id="23" dur="1" fill="hold">
+                                          <p:stCondLst>
+                                            <p:cond delay="0"/>
+                                          </p:stCondLst>
+                                        </p:cTn>
+                                        <p:tgtEl>
+                                          <p:spTgt spid="1027"/>
+                                        </p:tgtEl>
+                                        <p:attrNameLst>
+                                          <p:attrName>style.visibility</p:attrName>
+                                        </p:attrNameLst>
+                                      </p:cBhvr>
+                                      <p:to>
+                                        <p:strVal val="visible"/>
+                                      </p:to>
+                                    </p:set>
+                                    <p:animEffect transition="in" filter="circle(out)">
+                                      <p:cBhvr>
+                                        <p:cTn id="24" dur="2000"/>
+                                        <p:tgtEl>
+                                          <p:spTgt spid="1027"/>
+                                        </p:tgtEl>
+                                      </p:cBhvr>
+                                    </p:animEffect>
+                                  </p:childTnLst>
+                                </p:cTn>
+                              </p:par>
+                            </p:childTnLst>
+                          </p:cTn>
+                        </p:par>
+                      </p:childTnLst>
+                    </p:cTn>
+                  </p:par>
+                  <p:par>
+                    <p:cTn id="25" fill="hold">
+                      <p:stCondLst>
+                        <p:cond delay="indefinite"/>
+                      </p:stCondLst>
+                      <p:childTnLst>
+                        <p:par>
+                          <p:cTn id="26" fill="hold">
+                            <p:stCondLst>
+                              <p:cond delay="0"/>
+                            </p:stCondLst>
+                            <p:childTnLst>
+                              <p:par>
+                                <p:cTn id="27" presetID="53" presetClass="entr" presetSubtype="0" fill="hold" grpId="0" nodeType="clickEffect">
+                                  <p:stCondLst>
+                                    <p:cond delay="0"/>
+                                  </p:stCondLst>
+                                  <p:childTnLst>
+                                    <p:set>
+                                      <p:cBhvr>
+                                        <p:cTn id="28" dur="1" fill="hold">
+                                          <p:stCondLst>
+                                            <p:cond delay="0"/>
+                                          </p:stCondLst>
+                                        </p:cTn>
+                                        <p:tgtEl>
+                                          <p:spTgt spid="11"/>
+                                        </p:tgtEl>
+                                        <p:attrNameLst>
+                                          <p:attrName>style.visibility</p:attrName>
+                                        </p:attrNameLst>
+                                      </p:cBhvr>
+                                      <p:to>
+                                        <p:strVal val="visible"/>
+                                      </p:to>
+                                    </p:set>
+                                    <p:anim calcmode="lin" valueType="num">
+                                      <p:cBhvr>
+                                        <p:cTn id="29" dur="500" fill="hold"/>
+                                        <p:tgtEl>
+                                          <p:spTgt spid="11"/>
+                                        </p:tgtEl>
+                                        <p:attrNameLst>
+                                          <p:attrName>ppt_w</p:attrName>
+                                        </p:attrNameLst>
+                                      </p:cBhvr>
+                                      <p:tavLst>
+                                        <p:tav tm="0">
+                                          <p:val>
+                                            <p:fltVal val="0"/>
+                                          </p:val>
+                                        </p:tav>
+                                        <p:tav tm="100000">
+                                          <p:val>
+                                            <p:strVal val="#ppt_w"/>
+                                          </p:val>
+                                        </p:tav>
+                                      </p:tavLst>
+                                    </p:anim>
+                                    <p:anim calcmode="lin" valueType="num">
+                                      <p:cBhvr>
+                                        <p:cTn id="30" dur="500" fill="hold"/>
+                                        <p:tgtEl>
+                                          <p:spTgt spid="11"/>
+                                        </p:tgtEl>
+                                        <p:attrNameLst>
+                                          <p:attrName>ppt_h</p:attrName>
+                                        </p:attrNameLst>
+                                      </p:cBhvr>
+                                      <p:tavLst>
+                                        <p:tav tm="0">
+                                          <p:val>
+                                            <p:fltVal val="0"/>
+                                          </p:val>
+                                        </p:tav>
+                                        <p:tav tm="100000">
+                                          <p:val>
+                                            <p:strVal val="#ppt_h"/>
+                                          </p:val>
+                                        </p:tav>
+                                      </p:tavLst>
+                                    </p:anim>
+                                    <p:animEffect transition="in" filter="fade">
+                                      <p:cBhvr>
+                                        <p:cTn id="31" dur="500"/>
+                                        <p:tgtEl>
+                                          <p:spTgt spid="11"/>
+                                        </p:tgtEl>
+                                      </p:cBhvr>
+                                    </p:animEffect>
+                                  </p:childTnLst>
+                                </p:cTn>
+                              </p:par>
+                            </p:childTnLst>
+                          </p:cTn>
+                        </p:par>
+                      </p:childTnLst>
+                    </p:cTn>
+                  </p:par>
+                  <p:par>
+                    <p:cTn id="32" fill="hold">
+                      <p:stCondLst>
+                        <p:cond delay="indefinite"/>
+                      </p:stCondLst>
+                      <p:childTnLst>
+                        <p:par>
+                          <p:cTn id="33" fill="hold">
+                            <p:stCondLst>
+                              <p:cond delay="0"/>
+                            </p:stCondLst>
+                            <p:childTnLst>
+                              <p:par>
+                                <p:cTn id="34" presetID="18" presetClass="entr" presetSubtype="12" fill="hold" nodeType="clickEffect">
+                                  <p:stCondLst>
+                                    <p:cond delay="0"/>
+                                  </p:stCondLst>
+                                  <p:childTnLst>
+                                    <p:set>
+                                      <p:cBhvr>
+                                        <p:cTn id="35" dur="1" fill="hold">
+                                          <p:stCondLst>
+                                            <p:cond delay="0"/>
+                                          </p:stCondLst>
+                                        </p:cTn>
+                                        <p:tgtEl>
+                                          <p:spTgt spid="1029"/>
+                                        </p:tgtEl>
+                                        <p:attrNameLst>
+                                          <p:attrName>style.visibility</p:attrName>
+                                        </p:attrNameLst>
+                                      </p:cBhvr>
+                                      <p:to>
+                                        <p:strVal val="visible"/>
+                                      </p:to>
+                                    </p:set>
+                                    <p:animEffect transition="in" filter="strips(downLeft)">
+                                      <p:cBhvr>
+                                        <p:cTn id="36" dur="500"/>
+                                        <p:tgtEl>
+                                          <p:spTgt spid="1029"/>
+                                        </p:tgtEl>
+                                      </p:cBhvr>
+                                    </p:animEffect>
+                                  </p:childTnLst>
+                                </p:cTn>
+                              </p:par>
+                            </p:childTnLst>
+                          </p:cTn>
+                        </p:par>
+                      </p:childTnLst>
+                    </p:cTn>
+                  </p:par>
+                </p:childTnLst>
+              </p:cTn>
+              <p:prevCondLst>
+                <p:cond evt="onPrev" delay="0">
+                  <p:tgtEl>
+                    <p:sldTgt/>
+                  </p:tgtEl>
+                </p:cond>
+              </p:prevCondLst>
+              <p:nextCondLst>
+                <p:cond evt="onNext" delay="0">
+                  <p:tgtEl>
+                    <p:sldTgt/>
+                  </p:tgtEl>
+                </p:cond>
+              </p:nextCondLst>
+            </p:seq>
+          </p:childTnLst>
+        </p:cTn>
+      </p:par>
+    </p:tnLst>
+    <p:bldLst>
+      <p:bldP spid="10" grpId="0" animBg="1"/>
+      <p:bldP spid="11" grpId="0" animBg="1"/>
+    </p:bldLst>
+  </p:timing>
 </p:sld>
 </file>
 
@@ -6636,12 +7606,33 @@
             <p:ph type="title"/>
           </p:nvPr>
         </p:nvSpPr>
-        <p:spPr/>
+        <p:spPr>
+          <a:xfrm>
+            <a:off x="457200" y="274638"/>
+            <a:ext cx="8229600" cy="922114"/>
+          </a:xfrm>
+        </p:spPr>
         <p:txBody>
           <a:bodyPr/>
           <a:lstStyle/>
           <a:p>
-            <a:endParaRPr kumimoji="1" lang="ja-JP" altLang="en-US"/>
+            <a:r>
+              <a:rPr kumimoji="1" lang="ja-JP" altLang="en-US" dirty="0" smtClean="0"/>
+              <a:t>機構</a:t>
+            </a:r>
+            <a:r>
+              <a:rPr kumimoji="1" lang="en-US" altLang="ja-JP" dirty="0" smtClean="0"/>
+              <a:t>(</a:t>
+            </a:r>
+            <a:r>
+              <a:rPr kumimoji="1" lang="ja-JP" altLang="en-US" dirty="0" smtClean="0"/>
+              <a:t>主成分分析</a:t>
+            </a:r>
+            <a:r>
+              <a:rPr kumimoji="1" lang="en-US" altLang="ja-JP" dirty="0" smtClean="0"/>
+              <a:t>)</a:t>
+            </a:r>
+            <a:endParaRPr kumimoji="1" lang="ja-JP" altLang="en-US" dirty="0"/>
           </a:p>
         </p:txBody>
       </p:sp>
@@ -6655,12 +7646,212 @@
             <p:ph idx="1"/>
           </p:nvPr>
         </p:nvSpPr>
-        <p:spPr/>
+        <p:spPr>
+          <a:xfrm>
+            <a:off x="467544" y="1268760"/>
+            <a:ext cx="8229600" cy="2260848"/>
+          </a:xfrm>
+        </p:spPr>
         <p:txBody>
           <a:bodyPr/>
           <a:lstStyle/>
           <a:p>
-            <a:endParaRPr kumimoji="1" lang="ja-JP" altLang="en-US"/>
+            <a:r>
+              <a:rPr kumimoji="1" lang="en-US" altLang="ja-JP" dirty="0" smtClean="0"/>
+              <a:t>PCA : Principal Component Analysis</a:t>
+            </a:r>
+          </a:p>
+          <a:p>
+            <a:r>
+              <a:rPr lang="ja-JP" altLang="en-US" dirty="0" smtClean="0"/>
+              <a:t>元データの情報がなるべく失われないように次元圧縮する手法</a:t>
+            </a:r>
+            <a:endParaRPr lang="en-US" altLang="ja-JP" dirty="0" smtClean="0"/>
+          </a:p>
+          <a:p>
+            <a:r>
+              <a:rPr kumimoji="1" lang="ja-JP" altLang="en-US" dirty="0" smtClean="0"/>
+              <a:t>よくある例え</a:t>
+            </a:r>
+            <a:endParaRPr kumimoji="1" lang="ja-JP" altLang="en-US" dirty="0"/>
+          </a:p>
+        </p:txBody>
+      </p:sp>
+      <p:pic>
+        <p:nvPicPr>
+          <p:cNvPr id="2051" name="Picture 3"/>
+          <p:cNvPicPr>
+            <a:picLocks noChangeAspect="1" noChangeArrowheads="1"/>
+          </p:cNvPicPr>
+          <p:nvPr/>
+        </p:nvPicPr>
+        <p:blipFill>
+          <a:blip r:embed="rId4" cstate="print"/>
+          <a:srcRect/>
+          <a:stretch>
+            <a:fillRect/>
+          </a:stretch>
+        </p:blipFill>
+        <p:spPr bwMode="auto">
+          <a:xfrm>
+            <a:off x="4067944" y="3284984"/>
+            <a:ext cx="3962400" cy="2867025"/>
+          </a:xfrm>
+          <a:prstGeom prst="rect">
+            <a:avLst/>
+          </a:prstGeom>
+          <a:noFill/>
+          <a:ln w="9525">
+            <a:noFill/>
+            <a:miter lim="800000"/>
+            <a:headEnd/>
+            <a:tailEnd/>
+          </a:ln>
+        </p:spPr>
+      </p:pic>
+      <p:sp>
+        <p:nvSpPr>
+          <p:cNvPr id="6" name="テキスト ボックス 5"/>
+          <p:cNvSpPr txBox="1"/>
+          <p:nvPr/>
+        </p:nvSpPr>
+        <p:spPr>
+          <a:xfrm>
+            <a:off x="683568" y="3789040"/>
+            <a:ext cx="3096344" cy="646331"/>
+          </a:xfrm>
+          <a:prstGeom prst="rect">
+            <a:avLst/>
+          </a:prstGeom>
+          <a:noFill/>
+        </p:spPr>
+        <p:txBody>
+          <a:bodyPr wrap="square" rtlCol="0">
+            <a:spAutoFit/>
+          </a:bodyPr>
+          <a:lstStyle/>
+          <a:p>
+            <a:r>
+              <a:rPr kumimoji="1" lang="ja-JP" altLang="en-US" dirty="0" smtClean="0"/>
+              <a:t>分散が大きい量ほど、元データの特徴をより持っている</a:t>
+            </a:r>
+            <a:endParaRPr kumimoji="1" lang="ja-JP" altLang="en-US" dirty="0"/>
+          </a:p>
+        </p:txBody>
+      </p:sp>
+      <p:graphicFrame>
+        <p:nvGraphicFramePr>
+          <p:cNvPr id="8" name="オブジェクト 7"/>
+          <p:cNvGraphicFramePr>
+            <a:graphicFrameLocks noChangeAspect="1"/>
+          </p:cNvGraphicFramePr>
+          <p:nvPr/>
+        </p:nvGraphicFramePr>
+        <p:xfrm>
+          <a:off x="1043608" y="4725144"/>
+          <a:ext cx="288032" cy="408046"/>
+        </p:xfrm>
+        <a:graphic>
+          <a:graphicData uri="http://schemas.openxmlformats.org/presentationml/2006/ole">
+            <p:oleObj spid="_x0000_s1026" name="数式" r:id="rId5" imgW="152280" imgH="215640" progId="Equation.3">
+              <p:embed/>
+            </p:oleObj>
+          </a:graphicData>
+        </a:graphic>
+      </p:graphicFrame>
+      <p:graphicFrame>
+        <p:nvGraphicFramePr>
+          <p:cNvPr id="2053" name="Object 5"/>
+          <p:cNvGraphicFramePr>
+            <a:graphicFrameLocks noChangeAspect="1"/>
+          </p:cNvGraphicFramePr>
+          <p:nvPr/>
+        </p:nvGraphicFramePr>
+        <p:xfrm>
+          <a:off x="1043608" y="5301208"/>
+          <a:ext cx="311150" cy="409575"/>
+        </p:xfrm>
+        <a:graphic>
+          <a:graphicData uri="http://schemas.openxmlformats.org/presentationml/2006/ole">
+            <p:oleObj spid="_x0000_s1027" name="数式" r:id="rId6" imgW="164880" imgH="215640" progId="Equation.3">
+              <p:embed/>
+            </p:oleObj>
+          </a:graphicData>
+        </a:graphic>
+      </p:graphicFrame>
+      <p:sp>
+        <p:nvSpPr>
+          <p:cNvPr id="10" name="テキスト ボックス 9"/>
+          <p:cNvSpPr txBox="1"/>
+          <p:nvPr/>
+        </p:nvSpPr>
+        <p:spPr>
+          <a:xfrm>
+            <a:off x="1331640" y="4797152"/>
+            <a:ext cx="2304256" cy="369332"/>
+          </a:xfrm>
+          <a:prstGeom prst="rect">
+            <a:avLst/>
+          </a:prstGeom>
+          <a:noFill/>
+        </p:spPr>
+        <p:txBody>
+          <a:bodyPr wrap="square" rtlCol="0">
+            <a:spAutoFit/>
+          </a:bodyPr>
+          <a:lstStyle/>
+          <a:p>
+            <a:r>
+              <a:rPr kumimoji="1" lang="en-US" altLang="ja-JP" dirty="0" smtClean="0"/>
+              <a:t>: </a:t>
+            </a:r>
+            <a:r>
+              <a:rPr lang="ja-JP" altLang="en-US" dirty="0" smtClean="0"/>
+              <a:t> </a:t>
+            </a:r>
+            <a:r>
+              <a:rPr kumimoji="1" lang="ja-JP" altLang="en-US" dirty="0" smtClean="0"/>
+              <a:t>身体の大きさ</a:t>
+            </a:r>
+            <a:endParaRPr kumimoji="1" lang="en-US" altLang="ja-JP" dirty="0" smtClean="0"/>
+          </a:p>
+        </p:txBody>
+      </p:sp>
+      <p:sp>
+        <p:nvSpPr>
+          <p:cNvPr id="12" name="テキスト ボックス 11"/>
+          <p:cNvSpPr txBox="1"/>
+          <p:nvPr/>
+        </p:nvSpPr>
+        <p:spPr>
+          <a:xfrm>
+            <a:off x="1331640" y="5301208"/>
+            <a:ext cx="1944216" cy="369332"/>
+          </a:xfrm>
+          <a:prstGeom prst="rect">
+            <a:avLst/>
+          </a:prstGeom>
+          <a:noFill/>
+        </p:spPr>
+        <p:txBody>
+          <a:bodyPr wrap="square" rtlCol="0">
+            <a:spAutoFit/>
+          </a:bodyPr>
+          <a:lstStyle/>
+          <a:p>
+            <a:r>
+              <a:rPr kumimoji="1" lang="en-US" altLang="ja-JP" dirty="0" smtClean="0"/>
+              <a:t>:  </a:t>
+            </a:r>
+            <a:r>
+              <a:rPr lang="ja-JP" altLang="en-US" dirty="0" smtClean="0"/>
+              <a:t> 肥満</a:t>
+            </a:r>
+            <a:r>
+              <a:rPr kumimoji="1" lang="ja-JP" altLang="en-US" dirty="0" smtClean="0"/>
+              <a:t>の程度</a:t>
+            </a:r>
+            <a:endParaRPr kumimoji="1" lang="ja-JP" altLang="en-US" dirty="0"/>
           </a:p>
         </p:txBody>
       </p:sp>
@@ -6960,31 +8151,461 @@
             <p:ph type="title"/>
           </p:nvPr>
         </p:nvSpPr>
-        <p:spPr/>
+        <p:spPr>
+          <a:xfrm>
+            <a:off x="457200" y="274638"/>
+            <a:ext cx="8229600" cy="850106"/>
+          </a:xfrm>
+        </p:spPr>
         <p:txBody>
           <a:bodyPr/>
           <a:lstStyle/>
           <a:p>
+            <a:r>
+              <a:rPr lang="ja-JP" altLang="en-US" dirty="0" smtClean="0"/>
+              <a:t>機構</a:t>
+            </a:r>
+            <a:r>
+              <a:rPr lang="en-US" altLang="ja-JP" dirty="0" smtClean="0"/>
+              <a:t>(</a:t>
+            </a:r>
+            <a:r>
+              <a:rPr lang="ja-JP" altLang="en-US" dirty="0" smtClean="0"/>
+              <a:t>固有顔</a:t>
+            </a:r>
+            <a:r>
+              <a:rPr lang="en-US" altLang="ja-JP" dirty="0" smtClean="0"/>
+              <a:t>)</a:t>
+            </a:r>
+            <a:endParaRPr kumimoji="1" lang="ja-JP" altLang="en-US" dirty="0"/>
+          </a:p>
+        </p:txBody>
+      </p:sp>
+      <p:sp>
+        <p:nvSpPr>
+          <p:cNvPr id="3" name="コンテンツ プレースホルダ 2"/>
+          <p:cNvSpPr>
+            <a:spLocks noGrp="1"/>
+          </p:cNvSpPr>
+          <p:nvPr>
+            <p:ph idx="1"/>
+          </p:nvPr>
+        </p:nvSpPr>
+        <p:spPr>
+          <a:xfrm>
+            <a:off x="467544" y="1268761"/>
+            <a:ext cx="8229600" cy="3024336"/>
+          </a:xfrm>
+        </p:spPr>
+        <p:txBody>
+          <a:bodyPr>
+            <a:normAutofit lnSpcReduction="10000"/>
+          </a:bodyPr>
+          <a:lstStyle/>
+          <a:p>
+            <a:r>
+              <a:rPr kumimoji="1" lang="ja-JP" altLang="en-US" dirty="0" smtClean="0"/>
+              <a:t>トリミングされた画像</a:t>
+            </a:r>
+            <a:r>
+              <a:rPr kumimoji="1" lang="en-US" altLang="ja-JP" dirty="0" smtClean="0"/>
+              <a:t>(</a:t>
+            </a:r>
+            <a:r>
+              <a:rPr kumimoji="1" lang="ja-JP" altLang="en-US" dirty="0" smtClean="0"/>
+              <a:t>　　    </a:t>
+            </a:r>
+            <a:r>
+              <a:rPr kumimoji="1" lang="en-US" altLang="ja-JP" dirty="0" smtClean="0"/>
+              <a:t>pixel)</a:t>
+            </a:r>
+            <a:r>
+              <a:rPr kumimoji="1" lang="ja-JP" altLang="en-US" dirty="0" smtClean="0"/>
+              <a:t>を </a:t>
+            </a:r>
+            <a:r>
+              <a:rPr lang="en-US" altLang="ja-JP" dirty="0" smtClean="0"/>
+              <a:t>       </a:t>
+            </a:r>
+            <a:r>
+              <a:rPr lang="ja-JP" altLang="en-US" dirty="0" smtClean="0"/>
+              <a:t>  のベクトルと考える </a:t>
+            </a:r>
+            <a:r>
+              <a:rPr lang="en-US" altLang="ja-JP" dirty="0" smtClean="0"/>
+              <a:t>(            )</a:t>
+            </a:r>
+          </a:p>
+          <a:p>
+            <a:r>
+              <a:rPr lang="en-US" altLang="ja-JP" dirty="0" smtClean="0"/>
+              <a:t>    </a:t>
+            </a:r>
+            <a:r>
+              <a:rPr kumimoji="1" lang="ja-JP" altLang="en-US" dirty="0" smtClean="0"/>
+              <a:t>枚のサンプルデータに対し、各画像を並べた行列を </a:t>
+            </a:r>
+            <a:r>
+              <a:rPr lang="en-US" altLang="ja-JP" dirty="0" smtClean="0"/>
+              <a:t>   </a:t>
+            </a:r>
+            <a:r>
+              <a:rPr kumimoji="1" lang="en-US" altLang="ja-JP" dirty="0" smtClean="0"/>
+              <a:t> </a:t>
+            </a:r>
+            <a:r>
+              <a:rPr kumimoji="1" lang="ja-JP" altLang="en-US" dirty="0" smtClean="0"/>
+              <a:t>とすると、</a:t>
+            </a:r>
+            <a:r>
+              <a:rPr lang="en-US" altLang="ja-JP" dirty="0" smtClean="0"/>
+              <a:t>   </a:t>
+            </a:r>
+            <a:r>
+              <a:rPr lang="ja-JP" altLang="en-US" dirty="0" smtClean="0"/>
+              <a:t> </a:t>
+            </a:r>
+            <a:r>
+              <a:rPr lang="ja-JP" altLang="en-US" dirty="0" err="1" smtClean="0"/>
+              <a:t>の共</a:t>
+            </a:r>
+            <a:r>
+              <a:rPr lang="ja-JP" altLang="en-US" dirty="0" smtClean="0"/>
+              <a:t>分散行列 </a:t>
+            </a:r>
+            <a:r>
+              <a:rPr lang="en-US" altLang="ja-JP" dirty="0" smtClean="0"/>
+              <a:t>    (            </a:t>
+            </a:r>
+            <a:r>
+              <a:rPr lang="ja-JP" altLang="en-US" dirty="0" smtClean="0"/>
+              <a:t>行列</a:t>
+            </a:r>
+            <a:r>
+              <a:rPr lang="en-US" altLang="ja-JP" dirty="0" smtClean="0"/>
+              <a:t>)</a:t>
+            </a:r>
+            <a:r>
+              <a:rPr lang="ja-JP" altLang="en-US" dirty="0" smtClean="0"/>
+              <a:t> の大きい固有値に対応する固有ベクトルが主成分</a:t>
+            </a:r>
+            <a:r>
+              <a:rPr lang="en-US" altLang="ja-JP" dirty="0" smtClean="0"/>
+              <a:t>(</a:t>
+            </a:r>
+            <a:r>
+              <a:rPr lang="ja-JP" altLang="en-US" dirty="0" smtClean="0"/>
+              <a:t>固有顔</a:t>
+            </a:r>
+            <a:r>
+              <a:rPr lang="en-US" altLang="ja-JP" dirty="0" smtClean="0"/>
+              <a:t>)</a:t>
+            </a:r>
+            <a:r>
+              <a:rPr kumimoji="1" lang="ja-JP" altLang="en-US" dirty="0" smtClean="0"/>
+              <a:t>　</a:t>
+            </a:r>
+            <a:endParaRPr kumimoji="1" lang="ja-JP" altLang="en-US" dirty="0"/>
+          </a:p>
+        </p:txBody>
+      </p:sp>
+      <p:graphicFrame>
+        <p:nvGraphicFramePr>
+          <p:cNvPr id="4" name="オブジェクト 3"/>
+          <p:cNvGraphicFramePr>
+            <a:graphicFrameLocks noChangeAspect="1"/>
+          </p:cNvGraphicFramePr>
+          <p:nvPr/>
+        </p:nvGraphicFramePr>
+        <p:xfrm>
+          <a:off x="2411760" y="2708920"/>
+          <a:ext cx="465832" cy="453132"/>
+        </p:xfrm>
+        <a:graphic>
+          <a:graphicData uri="http://schemas.openxmlformats.org/presentationml/2006/ole">
+            <p:oleObj spid="_x0000_s2050" name="数式" r:id="rId3" imgW="177480" imgH="164880" progId="Equation.3">
+              <p:embed/>
+            </p:oleObj>
+          </a:graphicData>
+        </a:graphic>
+      </p:graphicFrame>
+      <p:graphicFrame>
+        <p:nvGraphicFramePr>
+          <p:cNvPr id="3075" name="Object 3"/>
+          <p:cNvGraphicFramePr>
+            <a:graphicFrameLocks noChangeAspect="1"/>
+          </p:cNvGraphicFramePr>
+          <p:nvPr/>
+        </p:nvGraphicFramePr>
+        <p:xfrm>
+          <a:off x="4499992" y="1412776"/>
+          <a:ext cx="831850" cy="384175"/>
+        </p:xfrm>
+        <a:graphic>
+          <a:graphicData uri="http://schemas.openxmlformats.org/presentationml/2006/ole">
+            <p:oleObj spid="_x0000_s2051" name="数式" r:id="rId4" imgW="317160" imgH="139680" progId="Equation.3">
+              <p:embed/>
+            </p:oleObj>
+          </a:graphicData>
+        </a:graphic>
+      </p:graphicFrame>
+      <p:graphicFrame>
+        <p:nvGraphicFramePr>
+          <p:cNvPr id="3076" name="Object 4"/>
+          <p:cNvGraphicFramePr>
+            <a:graphicFrameLocks noChangeAspect="1"/>
+          </p:cNvGraphicFramePr>
+          <p:nvPr/>
+        </p:nvGraphicFramePr>
+        <p:xfrm>
+          <a:off x="3491880" y="1678756"/>
+          <a:ext cx="1152128" cy="508844"/>
+        </p:xfrm>
+        <a:graphic>
+          <a:graphicData uri="http://schemas.openxmlformats.org/presentationml/2006/ole">
+            <p:oleObj spid="_x0000_s2052" name="数式" r:id="rId5" imgW="482400" imgH="203040" progId="Equation.3">
+              <p:embed/>
+            </p:oleObj>
+          </a:graphicData>
+        </a:graphic>
+      </p:graphicFrame>
+      <p:graphicFrame>
+        <p:nvGraphicFramePr>
+          <p:cNvPr id="3077" name="Object 5"/>
+          <p:cNvGraphicFramePr>
+            <a:graphicFrameLocks noChangeAspect="1"/>
+          </p:cNvGraphicFramePr>
+          <p:nvPr/>
+        </p:nvGraphicFramePr>
+        <p:xfrm>
+          <a:off x="6660232" y="1268760"/>
+          <a:ext cx="965200" cy="454025"/>
+        </p:xfrm>
+        <a:graphic>
+          <a:graphicData uri="http://schemas.openxmlformats.org/presentationml/2006/ole">
+            <p:oleObj spid="_x0000_s2053" name="数式" r:id="rId6" imgW="368280" imgH="164880" progId="Equation.3">
+              <p:embed/>
+            </p:oleObj>
+          </a:graphicData>
+        </a:graphic>
+      </p:graphicFrame>
+      <p:graphicFrame>
+        <p:nvGraphicFramePr>
+          <p:cNvPr id="3078" name="Object 6"/>
+          <p:cNvGraphicFramePr>
+            <a:graphicFrameLocks noChangeAspect="1"/>
+          </p:cNvGraphicFramePr>
+          <p:nvPr/>
+        </p:nvGraphicFramePr>
+        <p:xfrm>
+          <a:off x="827584" y="2276872"/>
+          <a:ext cx="465137" cy="488950"/>
+        </p:xfrm>
+        <a:graphic>
+          <a:graphicData uri="http://schemas.openxmlformats.org/presentationml/2006/ole">
+            <p:oleObj spid="_x0000_s2054" name="数式" r:id="rId7" imgW="177480" imgH="177480" progId="Equation.3">
+              <p:embed/>
+            </p:oleObj>
+          </a:graphicData>
+        </a:graphic>
+      </p:graphicFrame>
+      <p:graphicFrame>
+        <p:nvGraphicFramePr>
+          <p:cNvPr id="3079" name="Object 7"/>
+          <p:cNvGraphicFramePr>
+            <a:graphicFrameLocks noChangeAspect="1"/>
+          </p:cNvGraphicFramePr>
+          <p:nvPr/>
+        </p:nvGraphicFramePr>
+        <p:xfrm>
+          <a:off x="4427984" y="2708920"/>
+          <a:ext cx="466725" cy="454025"/>
+        </p:xfrm>
+        <a:graphic>
+          <a:graphicData uri="http://schemas.openxmlformats.org/presentationml/2006/ole">
+            <p:oleObj spid="_x0000_s2055" name="数式" r:id="rId8" imgW="177480" imgH="164880" progId="Equation.3">
+              <p:embed/>
+            </p:oleObj>
+          </a:graphicData>
+        </a:graphic>
+      </p:graphicFrame>
+      <p:graphicFrame>
+        <p:nvGraphicFramePr>
+          <p:cNvPr id="3080" name="Object 8"/>
+          <p:cNvGraphicFramePr>
+            <a:graphicFrameLocks noChangeAspect="1"/>
+          </p:cNvGraphicFramePr>
+          <p:nvPr/>
+        </p:nvGraphicFramePr>
+        <p:xfrm>
+          <a:off x="7413625" y="2690813"/>
+          <a:ext cx="400050" cy="488950"/>
+        </p:xfrm>
+        <a:graphic>
+          <a:graphicData uri="http://schemas.openxmlformats.org/presentationml/2006/ole">
+            <p:oleObj spid="_x0000_s2056" name="数式" r:id="rId9" imgW="152280" imgH="177480" progId="Equation.3">
+              <p:embed/>
+            </p:oleObj>
+          </a:graphicData>
+        </a:graphic>
+      </p:graphicFrame>
+      <p:graphicFrame>
+        <p:nvGraphicFramePr>
+          <p:cNvPr id="3081" name="Object 9"/>
+          <p:cNvGraphicFramePr>
+            <a:graphicFrameLocks noChangeAspect="1"/>
+          </p:cNvGraphicFramePr>
+          <p:nvPr/>
+        </p:nvGraphicFramePr>
+        <p:xfrm>
+          <a:off x="1043608" y="3140968"/>
+          <a:ext cx="1080120" cy="398599"/>
+        </p:xfrm>
+        <a:graphic>
+          <a:graphicData uri="http://schemas.openxmlformats.org/presentationml/2006/ole">
+            <p:oleObj spid="_x0000_s2057" name="数式" r:id="rId10" imgW="469800" imgH="164880" progId="Equation.3">
+              <p:embed/>
+            </p:oleObj>
+          </a:graphicData>
+        </a:graphic>
+      </p:graphicFrame>
+      <p:pic>
+        <p:nvPicPr>
+          <p:cNvPr id="3082" name="Picture 10" descr="C:\Users\t2ladmin\Desktop\articles\mat.jpg"/>
+          <p:cNvPicPr>
+            <a:picLocks noChangeAspect="1" noChangeArrowheads="1"/>
+          </p:cNvPicPr>
+          <p:nvPr/>
+        </p:nvPicPr>
+        <p:blipFill>
+          <a:blip r:embed="rId11" cstate="print"/>
+          <a:srcRect/>
+          <a:stretch>
+            <a:fillRect/>
+          </a:stretch>
+        </p:blipFill>
+        <p:spPr bwMode="auto">
+          <a:xfrm>
+            <a:off x="1547664" y="4149080"/>
+            <a:ext cx="432048" cy="2011724"/>
+          </a:xfrm>
+          <a:prstGeom prst="rect">
+            <a:avLst/>
+          </a:prstGeom>
+          <a:noFill/>
+        </p:spPr>
+      </p:pic>
+      <p:graphicFrame>
+        <p:nvGraphicFramePr>
+          <p:cNvPr id="3083" name="Object 11"/>
+          <p:cNvGraphicFramePr>
+            <a:graphicFrameLocks noChangeAspect="1"/>
+          </p:cNvGraphicFramePr>
+          <p:nvPr/>
+        </p:nvGraphicFramePr>
+        <p:xfrm>
+          <a:off x="1691680" y="5157192"/>
+          <a:ext cx="172531" cy="451867"/>
+        </p:xfrm>
+        <a:graphic>
+          <a:graphicData uri="http://schemas.openxmlformats.org/presentationml/2006/ole">
+            <p:oleObj spid="_x0000_s2058" name="数式" r:id="rId12" imgW="75960" imgH="190440" progId="Equation.3">
+              <p:embed/>
+            </p:oleObj>
+          </a:graphicData>
+        </a:graphic>
+      </p:graphicFrame>
+      <p:sp>
+        <p:nvSpPr>
+          <p:cNvPr id="14" name="右矢印 13"/>
+          <p:cNvSpPr/>
+          <p:nvPr/>
+        </p:nvSpPr>
+        <p:spPr>
+          <a:xfrm>
+            <a:off x="2843808" y="5013176"/>
+            <a:ext cx="648072" cy="288032"/>
+          </a:xfrm>
+          <a:prstGeom prst="rightArrow">
+            <a:avLst/>
+          </a:prstGeom>
+        </p:spPr>
+        <p:style>
+          <a:lnRef idx="2">
+            <a:schemeClr val="accent1">
+              <a:shade val="50000"/>
+            </a:schemeClr>
+          </a:lnRef>
+          <a:fillRef idx="1">
+            <a:schemeClr val="accent1"/>
+          </a:fillRef>
+          <a:effectRef idx="0">
+            <a:schemeClr val="accent1"/>
+          </a:effectRef>
+          <a:fontRef idx="minor">
+            <a:schemeClr val="lt1"/>
+          </a:fontRef>
+        </p:style>
+        <p:txBody>
+          <a:bodyPr rtlCol="0" anchor="ctr"/>
+          <a:lstStyle/>
+          <a:p>
+            <a:pPr algn="ctr"/>
             <a:endParaRPr kumimoji="1" lang="ja-JP" altLang="en-US"/>
           </a:p>
         </p:txBody>
       </p:sp>
-      <p:sp>
-        <p:nvSpPr>
-          <p:cNvPr id="3" name="コンテンツ プレースホルダ 2"/>
-          <p:cNvSpPr>
-            <a:spLocks noGrp="1"/>
-          </p:cNvSpPr>
-          <p:nvPr>
-            <p:ph idx="1"/>
-          </p:nvPr>
-        </p:nvSpPr>
-        <p:spPr/>
-        <p:txBody>
-          <a:bodyPr/>
-          <a:lstStyle/>
-          <a:p>
-            <a:endParaRPr kumimoji="1" lang="ja-JP" altLang="en-US"/>
+      <p:graphicFrame>
+        <p:nvGraphicFramePr>
+          <p:cNvPr id="3084" name="Object 12"/>
+          <p:cNvGraphicFramePr>
+            <a:graphicFrameLocks noChangeAspect="1"/>
+          </p:cNvGraphicFramePr>
+          <p:nvPr/>
+        </p:nvGraphicFramePr>
+        <p:xfrm>
+          <a:off x="3995936" y="4221088"/>
+          <a:ext cx="3312368" cy="1930732"/>
+        </p:xfrm>
+        <a:graphic>
+          <a:graphicData uri="http://schemas.openxmlformats.org/presentationml/2006/ole">
+            <p:oleObj spid="_x0000_s2059" name="数式" r:id="rId13" imgW="1688760" imgH="939600" progId="Equation.3">
+              <p:embed/>
+            </p:oleObj>
+          </a:graphicData>
+        </a:graphic>
+      </p:graphicFrame>
+      <p:sp>
+        <p:nvSpPr>
+          <p:cNvPr id="16" name="テキスト ボックス 15"/>
+          <p:cNvSpPr txBox="1"/>
+          <p:nvPr/>
+        </p:nvSpPr>
+        <p:spPr>
+          <a:xfrm>
+            <a:off x="971600" y="6237312"/>
+            <a:ext cx="1728192" cy="369332"/>
+          </a:xfrm>
+          <a:prstGeom prst="rect">
+            <a:avLst/>
+          </a:prstGeom>
+          <a:noFill/>
+        </p:spPr>
+        <p:txBody>
+          <a:bodyPr wrap="square" rtlCol="0">
+            <a:spAutoFit/>
+          </a:bodyPr>
+          <a:lstStyle/>
+          <a:p>
+            <a:r>
+              <a:rPr kumimoji="1" lang="en-US" altLang="ja-JP" dirty="0" smtClean="0"/>
+              <a:t>N</a:t>
+            </a:r>
+            <a:r>
+              <a:rPr kumimoji="1" lang="ja-JP" altLang="en-US" dirty="0" smtClean="0"/>
+              <a:t>枚のサンプル</a:t>
+            </a:r>
+            <a:endParaRPr kumimoji="1" lang="ja-JP" altLang="en-US" dirty="0"/>
           </a:p>
         </p:txBody>
       </p:sp>
@@ -7023,12 +8644,35 @@
             <p:ph type="title"/>
           </p:nvPr>
         </p:nvSpPr>
-        <p:spPr/>
-        <p:txBody>
-          <a:bodyPr/>
-          <a:lstStyle/>
-          <a:p>
-            <a:endParaRPr kumimoji="1" lang="ja-JP" altLang="en-US"/>
+        <p:spPr>
+          <a:xfrm>
+            <a:off x="457200" y="274638"/>
+            <a:ext cx="8229600" cy="850106"/>
+          </a:xfrm>
+        </p:spPr>
+        <p:txBody>
+          <a:bodyPr>
+            <a:normAutofit/>
+          </a:bodyPr>
+          <a:lstStyle/>
+          <a:p>
+            <a:r>
+              <a:rPr kumimoji="1" lang="ja-JP" altLang="en-US" dirty="0" smtClean="0"/>
+              <a:t>機構</a:t>
+            </a:r>
+            <a:r>
+              <a:rPr kumimoji="1" lang="en-US" altLang="ja-JP" dirty="0" smtClean="0"/>
+              <a:t>(</a:t>
+            </a:r>
+            <a:r>
+              <a:rPr kumimoji="1" lang="ja-JP" altLang="en-US" dirty="0" smtClean="0"/>
+              <a:t>固有顔</a:t>
+            </a:r>
+            <a:r>
+              <a:rPr kumimoji="1" lang="en-US" altLang="ja-JP" dirty="0" smtClean="0"/>
+              <a:t>)</a:t>
+            </a:r>
+            <a:endParaRPr kumimoji="1" lang="ja-JP" altLang="en-US" dirty="0"/>
           </a:p>
         </p:txBody>
       </p:sp>
@@ -7042,15 +8686,406 @@
             <p:ph idx="1"/>
           </p:nvPr>
         </p:nvSpPr>
-        <p:spPr/>
-        <p:txBody>
-          <a:bodyPr/>
-          <a:lstStyle/>
-          <a:p>
-            <a:endParaRPr kumimoji="1" lang="ja-JP" altLang="en-US"/>
-          </a:p>
-        </p:txBody>
-      </p:sp>
+        <p:spPr>
+          <a:xfrm>
+            <a:off x="457200" y="1196753"/>
+            <a:ext cx="8229600" cy="1368151"/>
+          </a:xfrm>
+        </p:spPr>
+        <p:txBody>
+          <a:bodyPr>
+            <a:normAutofit fontScale="92500" lnSpcReduction="10000"/>
+          </a:bodyPr>
+          <a:lstStyle/>
+          <a:p>
+            <a:r>
+              <a:rPr kumimoji="1" lang="ja-JP" altLang="en-US" dirty="0" smtClean="0"/>
+              <a:t>固有顔を固有値の大きい順に     </a:t>
+            </a:r>
+            <a:r>
+              <a:rPr lang="ja-JP" altLang="en-US" dirty="0" smtClean="0"/>
+              <a:t>個取ってきて、画像のデータ行列      を     次元の主成分得点空間に射影する</a:t>
+            </a:r>
+            <a:endParaRPr lang="en-US" altLang="ja-JP" dirty="0" smtClean="0"/>
+          </a:p>
+        </p:txBody>
+      </p:sp>
+      <p:graphicFrame>
+        <p:nvGraphicFramePr>
+          <p:cNvPr id="4098" name="Object 2"/>
+          <p:cNvGraphicFramePr>
+            <a:graphicFrameLocks noChangeAspect="1"/>
+          </p:cNvGraphicFramePr>
+          <p:nvPr/>
+        </p:nvGraphicFramePr>
+        <p:xfrm>
+          <a:off x="5724128" y="1196752"/>
+          <a:ext cx="331787" cy="488950"/>
+        </p:xfrm>
+        <a:graphic>
+          <a:graphicData uri="http://schemas.openxmlformats.org/presentationml/2006/ole">
+            <p:oleObj spid="_x0000_s3074" name="数式" r:id="rId4" imgW="126720" imgH="177480" progId="Equation.3">
+              <p:embed/>
+            </p:oleObj>
+          </a:graphicData>
+        </a:graphic>
+      </p:graphicFrame>
+      <p:graphicFrame>
+        <p:nvGraphicFramePr>
+          <p:cNvPr id="4100" name="Object 4"/>
+          <p:cNvGraphicFramePr>
+            <a:graphicFrameLocks noChangeAspect="1"/>
+          </p:cNvGraphicFramePr>
+          <p:nvPr/>
+        </p:nvGraphicFramePr>
+        <p:xfrm>
+          <a:off x="3851920" y="1556792"/>
+          <a:ext cx="466725" cy="454025"/>
+        </p:xfrm>
+        <a:graphic>
+          <a:graphicData uri="http://schemas.openxmlformats.org/presentationml/2006/ole">
+            <p:oleObj spid="_x0000_s3075" name="数式" r:id="rId5" imgW="177480" imgH="164880" progId="Equation.3">
+              <p:embed/>
+            </p:oleObj>
+          </a:graphicData>
+        </a:graphic>
+      </p:graphicFrame>
+      <p:graphicFrame>
+        <p:nvGraphicFramePr>
+          <p:cNvPr id="4101" name="Object 5"/>
+          <p:cNvGraphicFramePr>
+            <a:graphicFrameLocks noChangeAspect="1"/>
+          </p:cNvGraphicFramePr>
+          <p:nvPr/>
+        </p:nvGraphicFramePr>
+        <p:xfrm>
+          <a:off x="4716016" y="1556792"/>
+          <a:ext cx="331787" cy="488950"/>
+        </p:xfrm>
+        <a:graphic>
+          <a:graphicData uri="http://schemas.openxmlformats.org/presentationml/2006/ole">
+            <p:oleObj spid="_x0000_s3076" name="数式" r:id="rId6" imgW="126720" imgH="177480" progId="Equation.3">
+              <p:embed/>
+            </p:oleObj>
+          </a:graphicData>
+        </a:graphic>
+      </p:graphicFrame>
+      <p:graphicFrame>
+        <p:nvGraphicFramePr>
+          <p:cNvPr id="4103" name="Object 7"/>
+          <p:cNvGraphicFramePr>
+            <a:graphicFrameLocks noChangeAspect="1"/>
+          </p:cNvGraphicFramePr>
+          <p:nvPr/>
+        </p:nvGraphicFramePr>
+        <p:xfrm>
+          <a:off x="1171575" y="2636838"/>
+          <a:ext cx="1966913" cy="593725"/>
+        </p:xfrm>
+        <a:graphic>
+          <a:graphicData uri="http://schemas.openxmlformats.org/presentationml/2006/ole">
+            <p:oleObj spid="_x0000_s3077" name="数式" r:id="rId7" imgW="749160" imgH="215640" progId="Equation.3">
+              <p:embed/>
+            </p:oleObj>
+          </a:graphicData>
+        </a:graphic>
+      </p:graphicFrame>
+      <p:graphicFrame>
+        <p:nvGraphicFramePr>
+          <p:cNvPr id="4104" name="Object 8"/>
+          <p:cNvGraphicFramePr>
+            <a:graphicFrameLocks noChangeAspect="1"/>
+          </p:cNvGraphicFramePr>
+          <p:nvPr/>
+        </p:nvGraphicFramePr>
+        <p:xfrm>
+          <a:off x="1115616" y="3356992"/>
+          <a:ext cx="2767013" cy="593725"/>
+        </p:xfrm>
+        <a:graphic>
+          <a:graphicData uri="http://schemas.openxmlformats.org/presentationml/2006/ole">
+            <p:oleObj spid="_x0000_s3078" name="数式" r:id="rId8" imgW="1054080" imgH="215640" progId="Equation.3">
+              <p:embed/>
+            </p:oleObj>
+          </a:graphicData>
+        </a:graphic>
+      </p:graphicFrame>
+      <p:graphicFrame>
+        <p:nvGraphicFramePr>
+          <p:cNvPr id="4105" name="Object 9"/>
+          <p:cNvGraphicFramePr>
+            <a:graphicFrameLocks noChangeAspect="1"/>
+          </p:cNvGraphicFramePr>
+          <p:nvPr/>
+        </p:nvGraphicFramePr>
+        <p:xfrm>
+          <a:off x="1203325" y="4149725"/>
+          <a:ext cx="1633538" cy="698500"/>
+        </p:xfrm>
+        <a:graphic>
+          <a:graphicData uri="http://schemas.openxmlformats.org/presentationml/2006/ole">
+            <p:oleObj spid="_x0000_s3079" name="数式" r:id="rId9" imgW="622080" imgH="253800" progId="Equation.3">
+              <p:embed/>
+            </p:oleObj>
+          </a:graphicData>
+        </a:graphic>
+      </p:graphicFrame>
+      <p:sp>
+        <p:nvSpPr>
+          <p:cNvPr id="12" name="テキスト ボックス 11"/>
+          <p:cNvSpPr txBox="1"/>
+          <p:nvPr/>
+        </p:nvSpPr>
+        <p:spPr>
+          <a:xfrm>
+            <a:off x="5076056" y="2924944"/>
+            <a:ext cx="3528392" cy="1754326"/>
+          </a:xfrm>
+          <a:prstGeom prst="rect">
+            <a:avLst/>
+          </a:prstGeom>
+          <a:noFill/>
+        </p:spPr>
+        <p:txBody>
+          <a:bodyPr wrap="square" rtlCol="0">
+            <a:spAutoFit/>
+          </a:bodyPr>
+          <a:lstStyle/>
+          <a:p>
+            <a:r>
+              <a:rPr lang="ja-JP" altLang="en-US" dirty="0" smtClean="0"/>
+              <a:t>　　は　　の 　 番目までの固有顔を並べた行列</a:t>
+            </a:r>
+            <a:endParaRPr lang="en-US" altLang="ja-JP" dirty="0" smtClean="0"/>
+          </a:p>
+          <a:p>
+            <a:endParaRPr lang="en-US" altLang="ja-JP" dirty="0" smtClean="0"/>
+          </a:p>
+          <a:p>
+            <a:r>
+              <a:rPr lang="ja-JP" altLang="en-US" dirty="0" smtClean="0"/>
+              <a:t>射影によって変換された画像のデータ行列　　　は　　　　　の行列になる</a:t>
+            </a:r>
+            <a:endParaRPr kumimoji="1" lang="ja-JP" altLang="en-US" dirty="0"/>
+          </a:p>
+        </p:txBody>
+      </p:sp>
+      <p:graphicFrame>
+        <p:nvGraphicFramePr>
+          <p:cNvPr id="4106" name="Object 10"/>
+          <p:cNvGraphicFramePr>
+            <a:graphicFrameLocks noChangeAspect="1"/>
+          </p:cNvGraphicFramePr>
+          <p:nvPr/>
+        </p:nvGraphicFramePr>
+        <p:xfrm>
+          <a:off x="5148064" y="2924944"/>
+          <a:ext cx="299306" cy="354866"/>
+        </p:xfrm>
+        <a:graphic>
+          <a:graphicData uri="http://schemas.openxmlformats.org/presentationml/2006/ole">
+            <p:oleObj spid="_x0000_s3080" name="数式" r:id="rId10" imgW="203040" imgH="228600" progId="Equation.3">
+              <p:embed/>
+            </p:oleObj>
+          </a:graphicData>
+        </a:graphic>
+      </p:graphicFrame>
+      <p:graphicFrame>
+        <p:nvGraphicFramePr>
+          <p:cNvPr id="4107" name="Object 11"/>
+          <p:cNvGraphicFramePr>
+            <a:graphicFrameLocks noChangeAspect="1"/>
+          </p:cNvGraphicFramePr>
+          <p:nvPr/>
+        </p:nvGraphicFramePr>
+        <p:xfrm>
+          <a:off x="5724128" y="2924944"/>
+          <a:ext cx="292100" cy="331788"/>
+        </p:xfrm>
+        <a:graphic>
+          <a:graphicData uri="http://schemas.openxmlformats.org/presentationml/2006/ole">
+            <p:oleObj spid="_x0000_s3081" name="数式" r:id="rId11" imgW="164880" imgH="177480" progId="Equation.3">
+              <p:embed/>
+            </p:oleObj>
+          </a:graphicData>
+        </a:graphic>
+      </p:graphicFrame>
+      <p:graphicFrame>
+        <p:nvGraphicFramePr>
+          <p:cNvPr id="4108" name="Object 12"/>
+          <p:cNvGraphicFramePr>
+            <a:graphicFrameLocks noChangeAspect="1"/>
+          </p:cNvGraphicFramePr>
+          <p:nvPr/>
+        </p:nvGraphicFramePr>
+        <p:xfrm>
+          <a:off x="6228184" y="2924944"/>
+          <a:ext cx="234062" cy="344934"/>
+        </p:xfrm>
+        <a:graphic>
+          <a:graphicData uri="http://schemas.openxmlformats.org/presentationml/2006/ole">
+            <p:oleObj spid="_x0000_s3082" name="数式" r:id="rId12" imgW="126720" imgH="177480" progId="Equation.3">
+              <p:embed/>
+            </p:oleObj>
+          </a:graphicData>
+        </a:graphic>
+      </p:graphicFrame>
+      <p:graphicFrame>
+        <p:nvGraphicFramePr>
+          <p:cNvPr id="4109" name="Object 13"/>
+          <p:cNvGraphicFramePr>
+            <a:graphicFrameLocks noChangeAspect="1"/>
+          </p:cNvGraphicFramePr>
+          <p:nvPr/>
+        </p:nvGraphicFramePr>
+        <p:xfrm>
+          <a:off x="6300192" y="4077072"/>
+          <a:ext cx="261912" cy="315054"/>
+        </p:xfrm>
+        <a:graphic>
+          <a:graphicData uri="http://schemas.openxmlformats.org/presentationml/2006/ole">
+            <p:oleObj spid="_x0000_s3083" name="数式" r:id="rId13" imgW="177480" imgH="203040" progId="Equation.3">
+              <p:embed/>
+            </p:oleObj>
+          </a:graphicData>
+        </a:graphic>
+      </p:graphicFrame>
+      <p:graphicFrame>
+        <p:nvGraphicFramePr>
+          <p:cNvPr id="4110" name="Object 14"/>
+          <p:cNvGraphicFramePr>
+            <a:graphicFrameLocks noChangeAspect="1"/>
+          </p:cNvGraphicFramePr>
+          <p:nvPr/>
+        </p:nvGraphicFramePr>
+        <p:xfrm>
+          <a:off x="6948264" y="4077072"/>
+          <a:ext cx="674706" cy="343049"/>
+        </p:xfrm>
+        <a:graphic>
+          <a:graphicData uri="http://schemas.openxmlformats.org/presentationml/2006/ole">
+            <p:oleObj spid="_x0000_s3084" name="数式" r:id="rId14" imgW="368280" imgH="177480" progId="Equation.3">
+              <p:embed/>
+            </p:oleObj>
+          </a:graphicData>
+        </a:graphic>
+      </p:graphicFrame>
+      <p:sp>
+        <p:nvSpPr>
+          <p:cNvPr id="18" name="フローチャート: 処理 17"/>
+          <p:cNvSpPr/>
+          <p:nvPr/>
+        </p:nvSpPr>
+        <p:spPr>
+          <a:xfrm>
+            <a:off x="2195736" y="5157192"/>
+            <a:ext cx="4608512" cy="936104"/>
+          </a:xfrm>
+          <a:prstGeom prst="flowChartProcess">
+            <a:avLst/>
+          </a:prstGeom>
+          <a:solidFill>
+            <a:schemeClr val="bg1"/>
+          </a:solidFill>
+          <a:ln>
+            <a:solidFill>
+              <a:srgbClr val="00B050"/>
+            </a:solidFill>
+          </a:ln>
+        </p:spPr>
+        <p:style>
+          <a:lnRef idx="2">
+            <a:schemeClr val="accent1">
+              <a:shade val="50000"/>
+            </a:schemeClr>
+          </a:lnRef>
+          <a:fillRef idx="1">
+            <a:schemeClr val="accent1"/>
+          </a:fillRef>
+          <a:effectRef idx="0">
+            <a:schemeClr val="accent1"/>
+          </a:effectRef>
+          <a:fontRef idx="minor">
+            <a:schemeClr val="lt1"/>
+          </a:fontRef>
+        </p:style>
+        <p:txBody>
+          <a:bodyPr rtlCol="0" anchor="ctr"/>
+          <a:lstStyle/>
+          <a:p>
+            <a:pPr algn="ctr"/>
+            <a:r>
+              <a:rPr kumimoji="1" lang="ja-JP" altLang="en-US" dirty="0" smtClean="0">
+                <a:solidFill>
+                  <a:schemeClr val="tx1"/>
+                </a:solidFill>
+              </a:rPr>
+              <a:t>次元データを</a:t>
+            </a:r>
+            <a:r>
+              <a:rPr lang="ja-JP" altLang="en-US" dirty="0" smtClean="0">
+                <a:solidFill>
+                  <a:schemeClr val="tx1"/>
+                </a:solidFill>
+              </a:rPr>
+              <a:t>     </a:t>
+            </a:r>
+            <a:r>
+              <a:rPr kumimoji="1" lang="ja-JP" altLang="en-US" dirty="0" smtClean="0">
+                <a:solidFill>
+                  <a:schemeClr val="tx1"/>
+                </a:solidFill>
+              </a:rPr>
+              <a:t>  次元データに圧縮</a:t>
+            </a:r>
+            <a:endParaRPr kumimoji="1" lang="ja-JP" altLang="en-US" dirty="0">
+              <a:solidFill>
+                <a:schemeClr val="tx1"/>
+              </a:solidFill>
+            </a:endParaRPr>
+          </a:p>
+        </p:txBody>
+      </p:sp>
+      <p:graphicFrame>
+        <p:nvGraphicFramePr>
+          <p:cNvPr id="4111" name="Object 15"/>
+          <p:cNvGraphicFramePr>
+            <a:graphicFrameLocks noChangeAspect="1"/>
+          </p:cNvGraphicFramePr>
+          <p:nvPr/>
+        </p:nvGraphicFramePr>
+        <p:xfrm>
+          <a:off x="4139952" y="5445224"/>
+          <a:ext cx="239170" cy="352461"/>
+        </p:xfrm>
+        <a:graphic>
+          <a:graphicData uri="http://schemas.openxmlformats.org/presentationml/2006/ole">
+            <p:oleObj spid="_x0000_s3085" name="数式" r:id="rId15" imgW="126720" imgH="177480" progId="Equation.3">
+              <p:embed/>
+            </p:oleObj>
+          </a:graphicData>
+        </a:graphic>
+      </p:graphicFrame>
+      <p:graphicFrame>
+        <p:nvGraphicFramePr>
+          <p:cNvPr id="4112" name="Object 16"/>
+          <p:cNvGraphicFramePr>
+            <a:graphicFrameLocks noChangeAspect="1"/>
+          </p:cNvGraphicFramePr>
+          <p:nvPr/>
+        </p:nvGraphicFramePr>
+        <p:xfrm>
+          <a:off x="2411760" y="5445224"/>
+          <a:ext cx="388813" cy="331942"/>
+        </p:xfrm>
+        <a:graphic>
+          <a:graphicData uri="http://schemas.openxmlformats.org/presentationml/2006/ole">
+            <p:oleObj spid="_x0000_s3086" name="数式" r:id="rId16" imgW="203040" imgH="164880" progId="Equation.3">
+              <p:embed/>
+            </p:oleObj>
+          </a:graphicData>
+        </a:graphic>
+      </p:graphicFrame>
     </p:spTree>
   </p:cSld>
   <p:clrMapOvr>
@@ -7060,6 +9095,506 @@
 </file>
 
 <file path=ppt/slides/slide22.xml><?xml version="1.0" encoding="utf-8"?>
+<p:sld xmlns:a="http://schemas.openxmlformats.org/drawingml/2006/main" xmlns:r="http://schemas.openxmlformats.org/officeDocument/2006/relationships" xmlns:p="http://schemas.openxmlformats.org/presentationml/2006/main">
+  <p:cSld>
+    <p:spTree>
+      <p:nvGrpSpPr>
+        <p:cNvPr id="1" name=""/>
+        <p:cNvGrpSpPr/>
+        <p:nvPr/>
+      </p:nvGrpSpPr>
+      <p:grpSpPr>
+        <a:xfrm>
+          <a:off x="0" y="0"/>
+          <a:ext cx="0" cy="0"/>
+          <a:chOff x="0" y="0"/>
+          <a:chExt cx="0" cy="0"/>
+        </a:xfrm>
+      </p:grpSpPr>
+      <p:pic>
+        <p:nvPicPr>
+          <p:cNvPr id="4" name="Picture 6" descr="C:\Users\t2ladmin\Documents\Visual Studio 2010\Projects\FaceRecognition3\FaceRecognition3\plot4.bmp"/>
+          <p:cNvPicPr>
+            <a:picLocks noGrp="1" noChangeAspect="1" noChangeArrowheads="1"/>
+          </p:cNvPicPr>
+          <p:nvPr>
+            <p:ph idx="1"/>
+          </p:nvPr>
+        </p:nvPicPr>
+        <p:blipFill>
+          <a:blip r:embed="rId3" cstate="print"/>
+          <a:srcRect/>
+          <a:stretch>
+            <a:fillRect/>
+          </a:stretch>
+        </p:blipFill>
+        <p:spPr bwMode="auto">
+          <a:xfrm>
+            <a:off x="323528" y="476672"/>
+            <a:ext cx="8388424" cy="6106435"/>
+          </a:xfrm>
+          <a:prstGeom prst="rect">
+            <a:avLst/>
+          </a:prstGeom>
+          <a:noFill/>
+        </p:spPr>
+      </p:pic>
+      <p:graphicFrame>
+        <p:nvGraphicFramePr>
+          <p:cNvPr id="5122" name="Object 2"/>
+          <p:cNvGraphicFramePr>
+            <a:graphicFrameLocks noChangeAspect="1"/>
+          </p:cNvGraphicFramePr>
+          <p:nvPr/>
+        </p:nvGraphicFramePr>
+        <p:xfrm>
+          <a:off x="7380312" y="404664"/>
+          <a:ext cx="1146175" cy="1185863"/>
+        </p:xfrm>
+        <a:graphic>
+          <a:graphicData uri="http://schemas.openxmlformats.org/presentationml/2006/ole">
+            <p:oleObj spid="_x0000_s4098" name="数式" r:id="rId4" imgW="647640" imgH="634680" progId="Equation.3">
+              <p:embed/>
+            </p:oleObj>
+          </a:graphicData>
+        </a:graphic>
+      </p:graphicFrame>
+    </p:spTree>
+  </p:cSld>
+  <p:clrMapOvr>
+    <a:masterClrMapping/>
+  </p:clrMapOvr>
+</p:sld>
+</file>
+
+<file path=ppt/slides/slide23.xml><?xml version="1.0" encoding="utf-8"?>
+<p:sld xmlns:a="http://schemas.openxmlformats.org/drawingml/2006/main" xmlns:r="http://schemas.openxmlformats.org/officeDocument/2006/relationships" xmlns:p="http://schemas.openxmlformats.org/presentationml/2006/main">
+  <p:cSld>
+    <p:spTree>
+      <p:nvGrpSpPr>
+        <p:cNvPr id="1" name=""/>
+        <p:cNvGrpSpPr/>
+        <p:nvPr/>
+      </p:nvGrpSpPr>
+      <p:grpSpPr>
+        <a:xfrm>
+          <a:off x="0" y="0"/>
+          <a:ext cx="0" cy="0"/>
+          <a:chOff x="0" y="0"/>
+          <a:chExt cx="0" cy="0"/>
+        </a:xfrm>
+      </p:grpSpPr>
+      <p:sp>
+        <p:nvSpPr>
+          <p:cNvPr id="2" name="タイトル 1"/>
+          <p:cNvSpPr>
+            <a:spLocks noGrp="1"/>
+          </p:cNvSpPr>
+          <p:nvPr>
+            <p:ph type="title"/>
+          </p:nvPr>
+        </p:nvSpPr>
+        <p:spPr>
+          <a:xfrm>
+            <a:off x="457200" y="274638"/>
+            <a:ext cx="8229600" cy="850106"/>
+          </a:xfrm>
+        </p:spPr>
+        <p:txBody>
+          <a:bodyPr/>
+          <a:lstStyle/>
+          <a:p>
+            <a:r>
+              <a:rPr lang="ja-JP" altLang="en-US" dirty="0" smtClean="0"/>
+              <a:t>機構</a:t>
+            </a:r>
+            <a:r>
+              <a:rPr lang="en-US" altLang="ja-JP" dirty="0" smtClean="0"/>
+              <a:t>(SVM)</a:t>
+            </a:r>
+            <a:endParaRPr kumimoji="1" lang="ja-JP" altLang="en-US" dirty="0"/>
+          </a:p>
+        </p:txBody>
+      </p:sp>
+      <p:sp>
+        <p:nvSpPr>
+          <p:cNvPr id="3" name="コンテンツ プレースホルダ 2"/>
+          <p:cNvSpPr>
+            <a:spLocks noGrp="1"/>
+          </p:cNvSpPr>
+          <p:nvPr>
+            <p:ph idx="1"/>
+          </p:nvPr>
+        </p:nvSpPr>
+        <p:spPr>
+          <a:xfrm>
+            <a:off x="457200" y="1196752"/>
+            <a:ext cx="8229600" cy="4929411"/>
+          </a:xfrm>
+        </p:spPr>
+        <p:txBody>
+          <a:bodyPr/>
+          <a:lstStyle/>
+          <a:p>
+            <a:r>
+              <a:rPr kumimoji="1" lang="ja-JP" altLang="en-US" dirty="0" smtClean="0"/>
+              <a:t>実際に              くらいで</a:t>
+            </a:r>
+            <a:r>
+              <a:rPr kumimoji="1" lang="en-US" altLang="ja-JP" dirty="0" smtClean="0"/>
+              <a:t>PCA</a:t>
+            </a:r>
+            <a:r>
+              <a:rPr kumimoji="1" lang="ja-JP" altLang="en-US" dirty="0" smtClean="0"/>
+              <a:t>を行う</a:t>
+            </a:r>
+            <a:endParaRPr kumimoji="1" lang="en-US" altLang="ja-JP" dirty="0" smtClean="0"/>
+          </a:p>
+          <a:p>
+            <a:r>
+              <a:rPr lang="ja-JP" altLang="en-US" dirty="0" smtClean="0"/>
+              <a:t>圧縮された画像データを分別する判別平面が求まれば、テストデータに対してもクラス分類が可能になる</a:t>
+            </a:r>
+            <a:endParaRPr lang="en-US" altLang="ja-JP" dirty="0" smtClean="0"/>
+          </a:p>
+          <a:p>
+            <a:r>
+              <a:rPr lang="en-US" altLang="ja-JP" dirty="0" err="1" smtClean="0"/>
+              <a:t>Matlab</a:t>
+            </a:r>
+            <a:r>
+              <a:rPr lang="en-US" altLang="ja-JP" dirty="0" smtClean="0"/>
+              <a:t> Spider </a:t>
+            </a:r>
+            <a:r>
+              <a:rPr lang="ja-JP" altLang="en-US" dirty="0" smtClean="0"/>
+              <a:t>の </a:t>
+            </a:r>
+            <a:r>
+              <a:rPr lang="en-US" altLang="ja-JP" dirty="0" err="1" smtClean="0"/>
+              <a:t>mc_svm</a:t>
+            </a:r>
+            <a:r>
+              <a:rPr lang="en-US" altLang="ja-JP" dirty="0" smtClean="0"/>
+              <a:t> (multiclass support vector machine) </a:t>
+            </a:r>
+            <a:r>
+              <a:rPr lang="ja-JP" altLang="en-US" dirty="0" smtClean="0"/>
+              <a:t>を用いて、重みベクトル      を得た</a:t>
+            </a:r>
+            <a:r>
+              <a:rPr lang="en-US" altLang="ja-JP" dirty="0" smtClean="0"/>
+              <a:t>(linear kernel)</a:t>
+            </a:r>
+            <a:r>
+              <a:rPr lang="ja-JP" altLang="en-US" dirty="0" smtClean="0"/>
+              <a:t>  </a:t>
+            </a:r>
+            <a:endParaRPr lang="en-US" altLang="ja-JP" dirty="0" smtClean="0"/>
+          </a:p>
+        </p:txBody>
+      </p:sp>
+      <p:graphicFrame>
+        <p:nvGraphicFramePr>
+          <p:cNvPr id="6147" name="Object 3"/>
+          <p:cNvGraphicFramePr>
+            <a:graphicFrameLocks noChangeAspect="1"/>
+          </p:cNvGraphicFramePr>
+          <p:nvPr/>
+        </p:nvGraphicFramePr>
+        <p:xfrm>
+          <a:off x="2123728" y="1268760"/>
+          <a:ext cx="1128713" cy="488950"/>
+        </p:xfrm>
+        <a:graphic>
+          <a:graphicData uri="http://schemas.openxmlformats.org/presentationml/2006/ole">
+            <p:oleObj spid="_x0000_s5122" name="数式" r:id="rId3" imgW="431640" imgH="177480" progId="Equation.3">
+              <p:embed/>
+            </p:oleObj>
+          </a:graphicData>
+        </a:graphic>
+      </p:graphicFrame>
+      <p:graphicFrame>
+        <p:nvGraphicFramePr>
+          <p:cNvPr id="6148" name="Object 4"/>
+          <p:cNvGraphicFramePr>
+            <a:graphicFrameLocks noChangeAspect="1"/>
+          </p:cNvGraphicFramePr>
+          <p:nvPr/>
+        </p:nvGraphicFramePr>
+        <p:xfrm>
+          <a:off x="7668344" y="3933056"/>
+          <a:ext cx="398462" cy="384175"/>
+        </p:xfrm>
+        <a:graphic>
+          <a:graphicData uri="http://schemas.openxmlformats.org/presentationml/2006/ole">
+            <p:oleObj spid="_x0000_s5123" name="数式" r:id="rId4" imgW="152280" imgH="139680" progId="Equation.3">
+              <p:embed/>
+            </p:oleObj>
+          </a:graphicData>
+        </a:graphic>
+      </p:graphicFrame>
+    </p:spTree>
+  </p:cSld>
+  <p:clrMapOvr>
+    <a:masterClrMapping/>
+  </p:clrMapOvr>
+</p:sld>
+</file>
+
+<file path=ppt/slides/slide24.xml><?xml version="1.0" encoding="utf-8"?>
+<p:sld xmlns:a="http://schemas.openxmlformats.org/drawingml/2006/main" xmlns:r="http://schemas.openxmlformats.org/officeDocument/2006/relationships" xmlns:p="http://schemas.openxmlformats.org/presentationml/2006/main">
+  <p:cSld>
+    <p:spTree>
+      <p:nvGrpSpPr>
+        <p:cNvPr id="1" name=""/>
+        <p:cNvGrpSpPr/>
+        <p:nvPr/>
+      </p:nvGrpSpPr>
+      <p:grpSpPr>
+        <a:xfrm>
+          <a:off x="0" y="0"/>
+          <a:ext cx="0" cy="0"/>
+          <a:chOff x="0" y="0"/>
+          <a:chExt cx="0" cy="0"/>
+        </a:xfrm>
+      </p:grpSpPr>
+      <p:sp>
+        <p:nvSpPr>
+          <p:cNvPr id="2" name="タイトル 1"/>
+          <p:cNvSpPr>
+            <a:spLocks noGrp="1"/>
+          </p:cNvSpPr>
+          <p:nvPr>
+            <p:ph type="title"/>
+          </p:nvPr>
+        </p:nvSpPr>
+        <p:spPr/>
+        <p:txBody>
+          <a:bodyPr/>
+          <a:lstStyle/>
+          <a:p>
+            <a:endParaRPr kumimoji="1" lang="ja-JP" altLang="en-US"/>
+          </a:p>
+        </p:txBody>
+      </p:sp>
+      <p:sp>
+        <p:nvSpPr>
+          <p:cNvPr id="3" name="コンテンツ プレースホルダ 2"/>
+          <p:cNvSpPr>
+            <a:spLocks noGrp="1"/>
+          </p:cNvSpPr>
+          <p:nvPr>
+            <p:ph idx="1"/>
+          </p:nvPr>
+        </p:nvSpPr>
+        <p:spPr/>
+        <p:txBody>
+          <a:bodyPr/>
+          <a:lstStyle/>
+          <a:p>
+            <a:endParaRPr kumimoji="1" lang="ja-JP" altLang="en-US"/>
+          </a:p>
+        </p:txBody>
+      </p:sp>
+    </p:spTree>
+  </p:cSld>
+  <p:clrMapOvr>
+    <a:masterClrMapping/>
+  </p:clrMapOvr>
+</p:sld>
+</file>
+
+<file path=ppt/slides/slide25.xml><?xml version="1.0" encoding="utf-8"?>
+<p:sld xmlns:a="http://schemas.openxmlformats.org/drawingml/2006/main" xmlns:r="http://schemas.openxmlformats.org/officeDocument/2006/relationships" xmlns:p="http://schemas.openxmlformats.org/presentationml/2006/main">
+  <p:cSld>
+    <p:spTree>
+      <p:nvGrpSpPr>
+        <p:cNvPr id="1" name=""/>
+        <p:cNvGrpSpPr/>
+        <p:nvPr/>
+      </p:nvGrpSpPr>
+      <p:grpSpPr>
+        <a:xfrm>
+          <a:off x="0" y="0"/>
+          <a:ext cx="0" cy="0"/>
+          <a:chOff x="0" y="0"/>
+          <a:chExt cx="0" cy="0"/>
+        </a:xfrm>
+      </p:grpSpPr>
+      <p:sp>
+        <p:nvSpPr>
+          <p:cNvPr id="2" name="タイトル 1"/>
+          <p:cNvSpPr>
+            <a:spLocks noGrp="1"/>
+          </p:cNvSpPr>
+          <p:nvPr>
+            <p:ph type="title"/>
+          </p:nvPr>
+        </p:nvSpPr>
+        <p:spPr/>
+        <p:txBody>
+          <a:bodyPr/>
+          <a:lstStyle/>
+          <a:p>
+            <a:endParaRPr kumimoji="1" lang="ja-JP" altLang="en-US"/>
+          </a:p>
+        </p:txBody>
+      </p:sp>
+      <p:sp>
+        <p:nvSpPr>
+          <p:cNvPr id="3" name="コンテンツ プレースホルダ 2"/>
+          <p:cNvSpPr>
+            <a:spLocks noGrp="1"/>
+          </p:cNvSpPr>
+          <p:nvPr>
+            <p:ph idx="1"/>
+          </p:nvPr>
+        </p:nvSpPr>
+        <p:spPr/>
+        <p:txBody>
+          <a:bodyPr/>
+          <a:lstStyle/>
+          <a:p>
+            <a:endParaRPr kumimoji="1" lang="ja-JP" altLang="en-US"/>
+          </a:p>
+        </p:txBody>
+      </p:sp>
+    </p:spTree>
+  </p:cSld>
+  <p:clrMapOvr>
+    <a:masterClrMapping/>
+  </p:clrMapOvr>
+</p:sld>
+</file>
+
+<file path=ppt/slides/slide26.xml><?xml version="1.0" encoding="utf-8"?>
+<p:sld xmlns:a="http://schemas.openxmlformats.org/drawingml/2006/main" xmlns:r="http://schemas.openxmlformats.org/officeDocument/2006/relationships" xmlns:p="http://schemas.openxmlformats.org/presentationml/2006/main">
+  <p:cSld>
+    <p:spTree>
+      <p:nvGrpSpPr>
+        <p:cNvPr id="1" name=""/>
+        <p:cNvGrpSpPr/>
+        <p:nvPr/>
+      </p:nvGrpSpPr>
+      <p:grpSpPr>
+        <a:xfrm>
+          <a:off x="0" y="0"/>
+          <a:ext cx="0" cy="0"/>
+          <a:chOff x="0" y="0"/>
+          <a:chExt cx="0" cy="0"/>
+        </a:xfrm>
+      </p:grpSpPr>
+      <p:sp>
+        <p:nvSpPr>
+          <p:cNvPr id="2" name="タイトル 1"/>
+          <p:cNvSpPr>
+            <a:spLocks noGrp="1"/>
+          </p:cNvSpPr>
+          <p:nvPr>
+            <p:ph type="title"/>
+          </p:nvPr>
+        </p:nvSpPr>
+        <p:spPr/>
+        <p:txBody>
+          <a:bodyPr/>
+          <a:lstStyle/>
+          <a:p>
+            <a:endParaRPr kumimoji="1" lang="ja-JP" altLang="en-US"/>
+          </a:p>
+        </p:txBody>
+      </p:sp>
+      <p:sp>
+        <p:nvSpPr>
+          <p:cNvPr id="3" name="コンテンツ プレースホルダ 2"/>
+          <p:cNvSpPr>
+            <a:spLocks noGrp="1"/>
+          </p:cNvSpPr>
+          <p:nvPr>
+            <p:ph idx="1"/>
+          </p:nvPr>
+        </p:nvSpPr>
+        <p:spPr/>
+        <p:txBody>
+          <a:bodyPr/>
+          <a:lstStyle/>
+          <a:p>
+            <a:endParaRPr kumimoji="1" lang="ja-JP" altLang="en-US"/>
+          </a:p>
+        </p:txBody>
+      </p:sp>
+    </p:spTree>
+  </p:cSld>
+  <p:clrMapOvr>
+    <a:masterClrMapping/>
+  </p:clrMapOvr>
+</p:sld>
+</file>
+
+<file path=ppt/slides/slide27.xml><?xml version="1.0" encoding="utf-8"?>
+<p:sld xmlns:a="http://schemas.openxmlformats.org/drawingml/2006/main" xmlns:r="http://schemas.openxmlformats.org/officeDocument/2006/relationships" xmlns:p="http://schemas.openxmlformats.org/presentationml/2006/main">
+  <p:cSld>
+    <p:spTree>
+      <p:nvGrpSpPr>
+        <p:cNvPr id="1" name=""/>
+        <p:cNvGrpSpPr/>
+        <p:nvPr/>
+      </p:nvGrpSpPr>
+      <p:grpSpPr>
+        <a:xfrm>
+          <a:off x="0" y="0"/>
+          <a:ext cx="0" cy="0"/>
+          <a:chOff x="0" y="0"/>
+          <a:chExt cx="0" cy="0"/>
+        </a:xfrm>
+      </p:grpSpPr>
+      <p:sp>
+        <p:nvSpPr>
+          <p:cNvPr id="2" name="タイトル 1"/>
+          <p:cNvSpPr>
+            <a:spLocks noGrp="1"/>
+          </p:cNvSpPr>
+          <p:nvPr>
+            <p:ph type="title"/>
+          </p:nvPr>
+        </p:nvSpPr>
+        <p:spPr/>
+        <p:txBody>
+          <a:bodyPr/>
+          <a:lstStyle/>
+          <a:p>
+            <a:endParaRPr kumimoji="1" lang="ja-JP" altLang="en-US"/>
+          </a:p>
+        </p:txBody>
+      </p:sp>
+      <p:sp>
+        <p:nvSpPr>
+          <p:cNvPr id="3" name="コンテンツ プレースホルダ 2"/>
+          <p:cNvSpPr>
+            <a:spLocks noGrp="1"/>
+          </p:cNvSpPr>
+          <p:nvPr>
+            <p:ph idx="1"/>
+          </p:nvPr>
+        </p:nvSpPr>
+        <p:spPr/>
+        <p:txBody>
+          <a:bodyPr/>
+          <a:lstStyle/>
+          <a:p>
+            <a:endParaRPr kumimoji="1" lang="ja-JP" altLang="en-US"/>
+          </a:p>
+        </p:txBody>
+      </p:sp>
+    </p:spTree>
+  </p:cSld>
+  <p:clrMapOvr>
+    <a:masterClrMapping/>
+  </p:clrMapOvr>
+</p:sld>
+</file>
+
+<file path=ppt/slides/slide28.xml><?xml version="1.0" encoding="utf-8"?>
 <p:sld xmlns:a="http://schemas.openxmlformats.org/drawingml/2006/main" xmlns:r="http://schemas.openxmlformats.org/officeDocument/2006/relationships" xmlns:p="http://schemas.openxmlformats.org/presentationml/2006/main" showMasterSp="0">
   <p:cSld>
     <p:spTree>

--- a/motor/slideUshimaru.pptx
+++ b/motor/slideUshimaru.pptx
@@ -214,7 +214,7 @@
             <a:fld id="{153149D9-3CA5-4943-9F2F-C8A821DAC853}" type="datetimeFigureOut">
               <a:rPr kumimoji="1" lang="ja-JP" altLang="en-US" smtClean="0"/>
               <a:pPr/>
-              <a:t>2012/6/15</a:t>
+              <a:t>2012/6/20</a:t>
             </a:fld>
             <a:endParaRPr kumimoji="1" lang="ja-JP" altLang="en-US"/>
           </a:p>
@@ -2498,7 +2498,7 @@
             <a:fld id="{F6DE6083-BE95-4104-99CA-5C93F0E0D514}" type="datetimeFigureOut">
               <a:rPr kumimoji="1" lang="ja-JP" altLang="en-US" smtClean="0"/>
               <a:pPr/>
-              <a:t>2012/6/15</a:t>
+              <a:t>2012/6/20</a:t>
             </a:fld>
             <a:endParaRPr kumimoji="1" lang="ja-JP" altLang="en-US"/>
           </a:p>
@@ -2697,7 +2697,7 @@
             <a:fld id="{F6DE6083-BE95-4104-99CA-5C93F0E0D514}" type="datetimeFigureOut">
               <a:rPr kumimoji="1" lang="ja-JP" altLang="en-US" smtClean="0"/>
               <a:pPr/>
-              <a:t>2012/6/15</a:t>
+              <a:t>2012/6/20</a:t>
             </a:fld>
             <a:endParaRPr kumimoji="1" lang="ja-JP" altLang="en-US"/>
           </a:p>
@@ -2906,7 +2906,7 @@
             <a:fld id="{F6DE6083-BE95-4104-99CA-5C93F0E0D514}" type="datetimeFigureOut">
               <a:rPr kumimoji="1" lang="ja-JP" altLang="en-US" smtClean="0"/>
               <a:pPr/>
-              <a:t>2012/6/15</a:t>
+              <a:t>2012/6/20</a:t>
             </a:fld>
             <a:endParaRPr kumimoji="1" lang="ja-JP" altLang="en-US"/>
           </a:p>
@@ -3105,7 +3105,7 @@
             <a:fld id="{F6DE6083-BE95-4104-99CA-5C93F0E0D514}" type="datetimeFigureOut">
               <a:rPr kumimoji="1" lang="ja-JP" altLang="en-US" smtClean="0"/>
               <a:pPr/>
-              <a:t>2012/6/15</a:t>
+              <a:t>2012/6/20</a:t>
             </a:fld>
             <a:endParaRPr kumimoji="1" lang="ja-JP" altLang="en-US"/>
           </a:p>
@@ -3348,7 +3348,7 @@
             <a:fld id="{F6DE6083-BE95-4104-99CA-5C93F0E0D514}" type="datetimeFigureOut">
               <a:rPr kumimoji="1" lang="ja-JP" altLang="en-US" smtClean="0"/>
               <a:pPr/>
-              <a:t>2012/6/15</a:t>
+              <a:t>2012/6/20</a:t>
             </a:fld>
             <a:endParaRPr kumimoji="1" lang="ja-JP" altLang="en-US"/>
           </a:p>
@@ -3697,7 +3697,7 @@
             <a:fld id="{F6DE6083-BE95-4104-99CA-5C93F0E0D514}" type="datetimeFigureOut">
               <a:rPr kumimoji="1" lang="ja-JP" altLang="en-US" smtClean="0"/>
               <a:pPr/>
-              <a:t>2012/6/15</a:t>
+              <a:t>2012/6/20</a:t>
             </a:fld>
             <a:endParaRPr kumimoji="1" lang="ja-JP" altLang="en-US"/>
           </a:p>
@@ -4180,7 +4180,7 @@
             <a:fld id="{F6DE6083-BE95-4104-99CA-5C93F0E0D514}" type="datetimeFigureOut">
               <a:rPr kumimoji="1" lang="ja-JP" altLang="en-US" smtClean="0"/>
               <a:pPr/>
-              <a:t>2012/6/15</a:t>
+              <a:t>2012/6/20</a:t>
             </a:fld>
             <a:endParaRPr kumimoji="1" lang="ja-JP" altLang="en-US"/>
           </a:p>
@@ -4295,7 +4295,7 @@
             <a:fld id="{F6DE6083-BE95-4104-99CA-5C93F0E0D514}" type="datetimeFigureOut">
               <a:rPr kumimoji="1" lang="ja-JP" altLang="en-US" smtClean="0"/>
               <a:pPr/>
-              <a:t>2012/6/15</a:t>
+              <a:t>2012/6/20</a:t>
             </a:fld>
             <a:endParaRPr kumimoji="1" lang="ja-JP" altLang="en-US"/>
           </a:p>
@@ -4387,7 +4387,7 @@
             <a:fld id="{F6DE6083-BE95-4104-99CA-5C93F0E0D514}" type="datetimeFigureOut">
               <a:rPr kumimoji="1" lang="ja-JP" altLang="en-US" smtClean="0"/>
               <a:pPr/>
-              <a:t>2012/6/15</a:t>
+              <a:t>2012/6/20</a:t>
             </a:fld>
             <a:endParaRPr kumimoji="1" lang="ja-JP" altLang="en-US"/>
           </a:p>
@@ -4693,7 +4693,7 @@
             <a:fld id="{F6DE6083-BE95-4104-99CA-5C93F0E0D514}" type="datetimeFigureOut">
               <a:rPr kumimoji="1" lang="ja-JP" altLang="en-US" smtClean="0"/>
               <a:pPr/>
-              <a:t>2012/6/15</a:t>
+              <a:t>2012/6/20</a:t>
             </a:fld>
             <a:endParaRPr kumimoji="1" lang="ja-JP" altLang="en-US"/>
           </a:p>
@@ -4943,7 +4943,7 @@
             <a:fld id="{F6DE6083-BE95-4104-99CA-5C93F0E0D514}" type="datetimeFigureOut">
               <a:rPr kumimoji="1" lang="ja-JP" altLang="en-US" smtClean="0"/>
               <a:pPr/>
-              <a:t>2012/6/15</a:t>
+              <a:t>2012/6/20</a:t>
             </a:fld>
             <a:endParaRPr kumimoji="1" lang="ja-JP" altLang="en-US"/>
           </a:p>
@@ -5188,7 +5188,7 @@
             <a:fld id="{F6DE6083-BE95-4104-99CA-5C93F0E0D514}" type="datetimeFigureOut">
               <a:rPr kumimoji="1" lang="ja-JP" altLang="en-US" smtClean="0"/>
               <a:pPr/>
-              <a:t>2012/6/15</a:t>
+              <a:t>2012/6/20</a:t>
             </a:fld>
             <a:endParaRPr kumimoji="1" lang="ja-JP" altLang="en-US"/>
           </a:p>
@@ -5672,11 +5672,7 @@
           <a:p>
             <a:r>
               <a:rPr lang="ja-JP" altLang="en-US" dirty="0" smtClean="0"/>
-              <a:t>ハード面の主な</a:t>
-            </a:r>
-            <a:r>
-              <a:rPr lang="ja-JP" altLang="en-US" dirty="0" smtClean="0"/>
-              <a:t>工夫点</a:t>
+              <a:t>ハード面の主な工夫点</a:t>
             </a:r>
             <a:endParaRPr kumimoji="1" lang="ja-JP" altLang="en-US" dirty="0">
               <a:latin typeface="HGS明朝B" pitchFamily="18" charset="-128"/>
@@ -5843,22 +5839,14 @@
           <a:p>
             <a:r>
               <a:rPr lang="ja-JP" altLang="en-US" dirty="0" smtClean="0"/>
-              <a:t>カメラ</a:t>
-            </a:r>
-            <a:r>
-              <a:rPr lang="ja-JP" altLang="en-US" dirty="0" smtClean="0"/>
-              <a:t>の角度も調節可能</a:t>
+              <a:t>カメラの角度も調節可能</a:t>
             </a:r>
             <a:endParaRPr lang="en-US" altLang="ja-JP" dirty="0" smtClean="0"/>
           </a:p>
           <a:p>
             <a:r>
               <a:rPr kumimoji="1" lang="ja-JP" altLang="en-US" dirty="0" smtClean="0"/>
-              <a:t>カメラ</a:t>
-            </a:r>
-            <a:r>
-              <a:rPr kumimoji="1" lang="ja-JP" altLang="en-US" dirty="0" smtClean="0"/>
-              <a:t>のモーター、タイヤの左右のモーター</a:t>
+              <a:t>カメラのモーター、タイヤの左右のモーター</a:t>
             </a:r>
             <a:r>
               <a:rPr lang="ja-JP" altLang="en-US" dirty="0" smtClean="0"/>
@@ -6250,14 +6238,23 @@
             <p:ph type="title"/>
           </p:nvPr>
         </p:nvSpPr>
-        <p:spPr/>
+        <p:spPr>
+          <a:xfrm>
+            <a:off x="395536" y="260648"/>
+            <a:ext cx="8229600" cy="1008112"/>
+          </a:xfrm>
+        </p:spPr>
         <p:txBody>
           <a:bodyPr/>
           <a:lstStyle/>
           <a:p>
             <a:r>
               <a:rPr lang="ja-JP" altLang="en-US" dirty="0" smtClean="0"/>
-              <a:t>速度制御</a:t>
+              <a:t>速度</a:t>
+            </a:r>
+            <a:r>
+              <a:rPr lang="ja-JP" altLang="en-US" dirty="0" smtClean="0"/>
+              <a:t>制御</a:t>
             </a:r>
             <a:endParaRPr kumimoji="1" lang="ja-JP" altLang="en-US" dirty="0"/>
           </a:p>
@@ -6273,12 +6270,320 @@
             <p:ph idx="1"/>
           </p:nvPr>
         </p:nvSpPr>
-        <p:spPr/>
+        <p:spPr>
+          <a:xfrm>
+            <a:off x="3059832" y="2492896"/>
+            <a:ext cx="5842992" cy="3633267"/>
+          </a:xfrm>
+        </p:spPr>
         <p:txBody>
           <a:bodyPr/>
           <a:lstStyle/>
           <a:p>
-            <a:endParaRPr kumimoji="1" lang="ja-JP" altLang="en-US"/>
+            <a:r>
+              <a:rPr lang="ja-JP" altLang="en-US" dirty="0" smtClean="0"/>
+              <a:t>今回制御に使用したモータドライバ</a:t>
+            </a:r>
+            <a:r>
+              <a:rPr lang="en-US" altLang="ja-JP" dirty="0" smtClean="0"/>
+              <a:t>IC  TA7291</a:t>
+            </a:r>
+            <a:r>
+              <a:rPr lang="ja-JP" altLang="en-US" dirty="0" smtClean="0"/>
+              <a:t>では</a:t>
+            </a:r>
+            <a:r>
+              <a:rPr lang="en-US" altLang="ja-JP" dirty="0" smtClean="0"/>
+              <a:t>Low</a:t>
+            </a:r>
+            <a:r>
+              <a:rPr lang="ja-JP" altLang="en-US" dirty="0" smtClean="0"/>
+              <a:t>と</a:t>
+            </a:r>
+            <a:r>
+              <a:rPr lang="en-US" altLang="ja-JP" dirty="0" smtClean="0"/>
+              <a:t>High</a:t>
+            </a:r>
+            <a:r>
+              <a:rPr lang="ja-JP" altLang="en-US" dirty="0" smtClean="0"/>
+              <a:t>のパルスの比を変える</a:t>
+            </a:r>
+            <a:r>
+              <a:rPr lang="ja-JP" altLang="en-US" dirty="0" smtClean="0"/>
+              <a:t>こと</a:t>
+            </a:r>
+            <a:r>
+              <a:rPr lang="ja-JP" altLang="en-US" dirty="0" smtClean="0"/>
+              <a:t>で速度制御が可能</a:t>
+            </a:r>
+            <a:r>
+              <a:rPr lang="en-US" altLang="ja-JP" dirty="0" smtClean="0"/>
+              <a:t>.</a:t>
+            </a:r>
+          </a:p>
+          <a:p>
+            <a:endParaRPr kumimoji="1" lang="ja-JP" altLang="en-US" dirty="0"/>
+          </a:p>
+        </p:txBody>
+      </p:sp>
+      <p:sp>
+        <p:nvSpPr>
+          <p:cNvPr id="20482" name="AutoShape 2" descr="デューティー比のイメージ"/>
+          <p:cNvSpPr>
+            <a:spLocks noChangeAspect="1" noChangeArrowheads="1"/>
+          </p:cNvSpPr>
+          <p:nvPr/>
+        </p:nvSpPr>
+        <p:spPr bwMode="auto">
+          <a:xfrm>
+            <a:off x="155575" y="-144463"/>
+            <a:ext cx="304800" cy="304801"/>
+          </a:xfrm>
+          <a:prstGeom prst="rect">
+            <a:avLst/>
+          </a:prstGeom>
+          <a:noFill/>
+        </p:spPr>
+        <p:txBody>
+          <a:bodyPr vert="horz" wrap="square" lIns="91440" tIns="45720" rIns="91440" bIns="45720" numCol="1" anchor="t" anchorCtr="0" compatLnSpc="1">
+            <a:prstTxWarp prst="textNoShape">
+              <a:avLst/>
+            </a:prstTxWarp>
+          </a:bodyPr>
+          <a:lstStyle/>
+          <a:p>
+            <a:endParaRPr lang="ja-JP" altLang="en-US"/>
+          </a:p>
+        </p:txBody>
+      </p:sp>
+      <p:pic>
+        <p:nvPicPr>
+          <p:cNvPr id="9" name="図 8" descr="ay_h809_02.gif"/>
+          <p:cNvPicPr>
+            <a:picLocks noChangeAspect="1"/>
+          </p:cNvPicPr>
+          <p:nvPr/>
+        </p:nvPicPr>
+        <p:blipFill>
+          <a:blip r:embed="rId3" cstate="print"/>
+          <a:stretch>
+            <a:fillRect/>
+          </a:stretch>
+        </p:blipFill>
+        <p:spPr>
+          <a:xfrm>
+            <a:off x="0" y="1340768"/>
+            <a:ext cx="3289866" cy="1224136"/>
+          </a:xfrm>
+          <a:prstGeom prst="rect">
+            <a:avLst/>
+          </a:prstGeom>
+        </p:spPr>
+      </p:pic>
+      <p:sp>
+        <p:nvSpPr>
+          <p:cNvPr id="10" name="正方形/長方形 9"/>
+          <p:cNvSpPr/>
+          <p:nvPr/>
+        </p:nvSpPr>
+        <p:spPr>
+          <a:xfrm>
+            <a:off x="0" y="2492896"/>
+            <a:ext cx="3312368" cy="3970318"/>
+          </a:xfrm>
+          <a:prstGeom prst="rect">
+            <a:avLst/>
+          </a:prstGeom>
+        </p:spPr>
+        <p:txBody>
+          <a:bodyPr wrap="square">
+            <a:spAutoFit/>
+          </a:bodyPr>
+          <a:lstStyle/>
+          <a:p>
+            <a:endParaRPr lang="en-US" altLang="ja-JP" dirty="0" smtClean="0"/>
+          </a:p>
+          <a:p>
+            <a:r>
+              <a:rPr lang="en-US" altLang="ja-JP" dirty="0" smtClean="0"/>
+              <a:t>void </a:t>
+            </a:r>
+            <a:r>
+              <a:rPr lang="en-US" altLang="ja-JP" dirty="0" err="1" smtClean="0"/>
+              <a:t>changePower</a:t>
+            </a:r>
+            <a:r>
+              <a:rPr lang="en-US" altLang="ja-JP" dirty="0" smtClean="0"/>
+              <a:t>(</a:t>
+            </a:r>
+            <a:r>
+              <a:rPr lang="en-US" altLang="ja-JP" dirty="0" err="1" smtClean="0"/>
+              <a:t>int</a:t>
+            </a:r>
+            <a:r>
+              <a:rPr lang="en-US" altLang="ja-JP" dirty="0" smtClean="0"/>
+              <a:t> </a:t>
+            </a:r>
+            <a:r>
+              <a:rPr lang="en-US" altLang="ja-JP" dirty="0" err="1" smtClean="0"/>
+              <a:t>l,int</a:t>
+            </a:r>
+            <a:r>
+              <a:rPr lang="en-US" altLang="ja-JP" dirty="0" smtClean="0"/>
+              <a:t> r){</a:t>
+            </a:r>
+          </a:p>
+          <a:p>
+            <a:r>
+              <a:rPr lang="en-US" altLang="ja-JP" dirty="0" smtClean="0"/>
+              <a:t>  </a:t>
+            </a:r>
+            <a:r>
+              <a:rPr lang="en-US" altLang="ja-JP" dirty="0" err="1" smtClean="0"/>
+              <a:t>analogWrite</a:t>
+            </a:r>
+            <a:r>
+              <a:rPr lang="en-US" altLang="ja-JP" dirty="0" smtClean="0"/>
+              <a:t>(5,l); </a:t>
+            </a:r>
+          </a:p>
+          <a:p>
+            <a:r>
+              <a:rPr lang="en-US" altLang="ja-JP" dirty="0" smtClean="0"/>
+              <a:t>  </a:t>
+            </a:r>
+            <a:r>
+              <a:rPr lang="en-US" altLang="ja-JP" dirty="0" err="1" smtClean="0"/>
+              <a:t>analogWrite</a:t>
+            </a:r>
+            <a:r>
+              <a:rPr lang="en-US" altLang="ja-JP" dirty="0" smtClean="0"/>
+              <a:t>(9,r);</a:t>
+            </a:r>
+          </a:p>
+          <a:p>
+            <a:r>
+              <a:rPr lang="en-US" altLang="ja-JP" dirty="0" smtClean="0"/>
+              <a:t>}</a:t>
+            </a:r>
+          </a:p>
+          <a:p>
+            <a:endParaRPr lang="en-US" altLang="ja-JP" dirty="0" smtClean="0"/>
+          </a:p>
+          <a:p>
+            <a:r>
+              <a:rPr lang="en-US" altLang="ja-JP" dirty="0" smtClean="0"/>
+              <a:t>void </a:t>
+            </a:r>
+            <a:r>
+              <a:rPr lang="en-US" altLang="ja-JP" dirty="0" err="1" smtClean="0"/>
+              <a:t>changeHeadPower</a:t>
+            </a:r>
+            <a:r>
+              <a:rPr lang="en-US" altLang="ja-JP" dirty="0" smtClean="0"/>
+              <a:t>(</a:t>
+            </a:r>
+            <a:r>
+              <a:rPr lang="en-US" altLang="ja-JP" dirty="0" err="1" smtClean="0"/>
+              <a:t>int</a:t>
+            </a:r>
+            <a:r>
+              <a:rPr lang="en-US" altLang="ja-JP" dirty="0" smtClean="0"/>
+              <a:t> p){</a:t>
+            </a:r>
+          </a:p>
+          <a:p>
+            <a:r>
+              <a:rPr lang="en-US" altLang="ja-JP" dirty="0" smtClean="0"/>
+              <a:t>  </a:t>
+            </a:r>
+            <a:r>
+              <a:rPr lang="en-US" altLang="ja-JP" dirty="0" err="1" smtClean="0"/>
+              <a:t>analogWrite</a:t>
+            </a:r>
+            <a:r>
+              <a:rPr lang="en-US" altLang="ja-JP" dirty="0" smtClean="0"/>
+              <a:t>(11,p);</a:t>
+            </a:r>
+          </a:p>
+          <a:p>
+            <a:r>
+              <a:rPr lang="en-US" altLang="ja-JP" dirty="0" smtClean="0"/>
+              <a:t>}</a:t>
+            </a:r>
+          </a:p>
+          <a:p>
+            <a:r>
+              <a:rPr lang="ja-JP" altLang="en-US" dirty="0" smtClean="0"/>
+              <a:t>・・</a:t>
+            </a:r>
+            <a:r>
+              <a:rPr lang="ja-JP" altLang="en-US" dirty="0" smtClean="0"/>
+              <a:t>・・・・</a:t>
+            </a:r>
+            <a:endParaRPr lang="en-US" altLang="ja-JP" dirty="0" smtClean="0"/>
+          </a:p>
+          <a:p>
+            <a:endParaRPr lang="en-US" altLang="ja-JP" dirty="0" smtClean="0"/>
+          </a:p>
+          <a:p>
+            <a:r>
+              <a:rPr lang="en-US" altLang="ja-JP" dirty="0" smtClean="0"/>
+              <a:t>  </a:t>
+            </a:r>
+            <a:r>
+              <a:rPr lang="en-US" altLang="ja-JP" dirty="0" err="1" smtClean="0"/>
+              <a:t>changePower</a:t>
+            </a:r>
+            <a:r>
+              <a:rPr lang="en-US" altLang="ja-JP" dirty="0" smtClean="0"/>
+              <a:t>(</a:t>
+            </a:r>
+            <a:r>
+              <a:rPr lang="en-US" altLang="ja-JP" dirty="0" err="1" smtClean="0"/>
+              <a:t>powerL,powerR</a:t>
+            </a:r>
+            <a:r>
+              <a:rPr lang="en-US" altLang="ja-JP" dirty="0" smtClean="0"/>
+              <a:t>);</a:t>
+            </a:r>
+          </a:p>
+          <a:p>
+            <a:r>
+              <a:rPr lang="en-US" altLang="ja-JP" dirty="0" smtClean="0"/>
+              <a:t>  </a:t>
+            </a:r>
+            <a:r>
+              <a:rPr lang="en-US" altLang="ja-JP" dirty="0" err="1" smtClean="0"/>
+              <a:t>changeHeadPower</a:t>
+            </a:r>
+            <a:r>
+              <a:rPr lang="en-US" altLang="ja-JP" dirty="0" smtClean="0"/>
+              <a:t>(</a:t>
+            </a:r>
+            <a:r>
+              <a:rPr lang="en-US" altLang="ja-JP" dirty="0" err="1" smtClean="0"/>
+              <a:t>headPower</a:t>
+            </a:r>
+            <a:r>
+              <a:rPr lang="en-US" altLang="ja-JP" dirty="0" smtClean="0"/>
+              <a:t>);</a:t>
+            </a:r>
+          </a:p>
+          <a:p>
+            <a:r>
+              <a:rPr lang="en-US" altLang="ja-JP" dirty="0" smtClean="0"/>
+              <a:t>  </a:t>
+            </a:r>
+            <a:r>
+              <a:rPr lang="en-US" altLang="ja-JP" dirty="0" err="1" smtClean="0"/>
+              <a:t>motorStop</a:t>
+            </a:r>
+            <a:r>
+              <a:rPr lang="en-US" altLang="ja-JP" dirty="0" smtClean="0"/>
+              <a:t>();</a:t>
+            </a:r>
+            <a:endParaRPr lang="ja-JP" altLang="en-US" dirty="0"/>
           </a:p>
         </p:txBody>
       </p:sp>
@@ -6345,7 +6650,33 @@
           <a:bodyPr/>
           <a:lstStyle/>
           <a:p>
-            <a:endParaRPr kumimoji="1" lang="ja-JP" altLang="en-US"/>
+            <a:r>
+              <a:rPr lang="en-US" altLang="ja-JP" dirty="0" err="1" smtClean="0"/>
+              <a:t>OpenCV</a:t>
+            </a:r>
+            <a:r>
+              <a:rPr lang="ja-JP" altLang="en-US" dirty="0" smtClean="0"/>
+              <a:t>を使って顔認識をし、認識した顔が中心に来るようにカメラを上下に動かしたり、回転移動したりする。</a:t>
+            </a:r>
+            <a:endParaRPr lang="en-US" altLang="ja-JP" dirty="0" smtClean="0"/>
+          </a:p>
+          <a:p>
+            <a:endParaRPr kumimoji="1" lang="en-US" altLang="ja-JP" dirty="0" smtClean="0"/>
+          </a:p>
+          <a:p>
+            <a:r>
+              <a:rPr kumimoji="1" lang="ja-JP" altLang="en-US" dirty="0" smtClean="0"/>
+              <a:t>カメラの制御には本来サーボモーターなどを使うべきだが、諸事情により、</a:t>
+            </a:r>
+            <a:r>
+              <a:rPr kumimoji="1" lang="en-US" altLang="ja-JP" dirty="0" smtClean="0"/>
+              <a:t>DC</a:t>
+            </a:r>
+            <a:r>
+              <a:rPr kumimoji="1" lang="ja-JP" altLang="en-US" dirty="0" smtClean="0"/>
+              <a:t>モーターを使用した</a:t>
+            </a:r>
+            <a:endParaRPr kumimoji="1" lang="ja-JP" altLang="en-US" dirty="0"/>
           </a:p>
         </p:txBody>
       </p:sp>
@@ -6389,7 +6720,11 @@
           <a:bodyPr/>
           <a:lstStyle/>
           <a:p>
-            <a:endParaRPr kumimoji="1" lang="ja-JP" altLang="en-US"/>
+            <a:r>
+              <a:rPr kumimoji="1" lang="ja-JP" altLang="en-US" dirty="0" smtClean="0"/>
+              <a:t>パソコンとの通信</a:t>
+            </a:r>
+            <a:endParaRPr kumimoji="1" lang="ja-JP" altLang="en-US" dirty="0"/>
           </a:p>
         </p:txBody>
       </p:sp>
@@ -6403,12 +6738,261 @@
             <p:ph idx="1"/>
           </p:nvPr>
         </p:nvSpPr>
-        <p:spPr/>
+        <p:spPr>
+          <a:xfrm>
+            <a:off x="457200" y="1600201"/>
+            <a:ext cx="4402832" cy="4421088"/>
+          </a:xfrm>
+        </p:spPr>
         <p:txBody>
           <a:bodyPr/>
           <a:lstStyle/>
           <a:p>
-            <a:endParaRPr kumimoji="1" lang="ja-JP" altLang="en-US"/>
+            <a:r>
+              <a:rPr kumimoji="1" lang="en-US" altLang="ja-JP" dirty="0" err="1" smtClean="0"/>
+              <a:t>Ardiuno</a:t>
+            </a:r>
+            <a:r>
+              <a:rPr kumimoji="1" lang="ja-JP" altLang="en-US" dirty="0" smtClean="0"/>
+              <a:t>とパソコンとは</a:t>
+            </a:r>
+            <a:r>
+              <a:rPr kumimoji="1" lang="en-US" altLang="ja-JP" dirty="0" smtClean="0"/>
+              <a:t>Serial</a:t>
+            </a:r>
+            <a:r>
+              <a:rPr kumimoji="1" lang="ja-JP" altLang="en-US" dirty="0" smtClean="0"/>
+              <a:t>通信している。</a:t>
+            </a:r>
+            <a:endParaRPr kumimoji="1" lang="en-US" altLang="ja-JP" dirty="0" smtClean="0"/>
+          </a:p>
+          <a:p>
+            <a:endParaRPr lang="en-US" altLang="ja-JP" dirty="0" smtClean="0"/>
+          </a:p>
+          <a:p>
+            <a:r>
+              <a:rPr kumimoji="1" lang="en-US" altLang="ja-JP" dirty="0" err="1" smtClean="0"/>
+              <a:t>Ardiuno</a:t>
+            </a:r>
+            <a:r>
+              <a:rPr lang="ja-JP" altLang="en-US" dirty="0" smtClean="0"/>
+              <a:t>側は標準の関数が存在するのでラク。パソコン側では</a:t>
+            </a:r>
+            <a:r>
+              <a:rPr kumimoji="1" lang="en-US" altLang="ja-JP" dirty="0" smtClean="0"/>
+              <a:t>Windows API</a:t>
+            </a:r>
+            <a:r>
+              <a:rPr kumimoji="1" lang="ja-JP" altLang="en-US" dirty="0" smtClean="0"/>
+              <a:t>を使用した。</a:t>
+            </a:r>
+            <a:endParaRPr kumimoji="1" lang="ja-JP" altLang="en-US" dirty="0"/>
+          </a:p>
+        </p:txBody>
+      </p:sp>
+      <p:sp>
+        <p:nvSpPr>
+          <p:cNvPr id="4" name="正方形/長方形 3"/>
+          <p:cNvSpPr/>
+          <p:nvPr/>
+        </p:nvSpPr>
+        <p:spPr>
+          <a:xfrm>
+            <a:off x="4967536" y="1628800"/>
+            <a:ext cx="4176464" cy="4524315"/>
+          </a:xfrm>
+          <a:prstGeom prst="rect">
+            <a:avLst/>
+          </a:prstGeom>
+        </p:spPr>
+        <p:txBody>
+          <a:bodyPr wrap="square">
+            <a:spAutoFit/>
+          </a:bodyPr>
+          <a:lstStyle/>
+          <a:p>
+            <a:r>
+              <a:rPr lang="en-US" altLang="ja-JP" dirty="0" smtClean="0"/>
+              <a:t>LPCTSTR </a:t>
+            </a:r>
+            <a:r>
+              <a:rPr lang="en-US" altLang="ja-JP" dirty="0" err="1" smtClean="0"/>
+              <a:t>portName</a:t>
+            </a:r>
+            <a:r>
+              <a:rPr lang="en-US" altLang="ja-JP" dirty="0" smtClean="0"/>
+              <a:t>="COM4";</a:t>
+            </a:r>
+          </a:p>
+          <a:p>
+            <a:endParaRPr lang="en-US" altLang="ja-JP" dirty="0" smtClean="0"/>
+          </a:p>
+          <a:p>
+            <a:r>
+              <a:rPr lang="en-US" altLang="ja-JP" dirty="0" err="1" smtClean="0"/>
+              <a:t>SerialLib</a:t>
+            </a:r>
+            <a:r>
+              <a:rPr lang="en-US" altLang="ja-JP" dirty="0" smtClean="0"/>
+              <a:t>::</a:t>
+            </a:r>
+            <a:r>
+              <a:rPr lang="en-US" altLang="ja-JP" dirty="0" err="1" smtClean="0"/>
+              <a:t>SerialLib</a:t>
+            </a:r>
+            <a:r>
+              <a:rPr lang="en-US" altLang="ja-JP" dirty="0" smtClean="0"/>
+              <a:t>(void)</a:t>
+            </a:r>
+          </a:p>
+          <a:p>
+            <a:r>
+              <a:rPr lang="en-US" altLang="ja-JP" dirty="0" smtClean="0"/>
+              <a:t>{</a:t>
+            </a:r>
+          </a:p>
+          <a:p>
+            <a:r>
+              <a:rPr lang="en-US" altLang="ja-JP" dirty="0" smtClean="0"/>
+              <a:t>	</a:t>
+            </a:r>
+            <a:r>
+              <a:rPr lang="en-US" altLang="ja-JP" dirty="0" err="1" smtClean="0"/>
+              <a:t>hCom</a:t>
+            </a:r>
+            <a:r>
+              <a:rPr lang="en-US" altLang="ja-JP" dirty="0" smtClean="0"/>
+              <a:t> = </a:t>
+            </a:r>
+            <a:r>
+              <a:rPr lang="en-US" altLang="ja-JP" dirty="0" err="1" smtClean="0"/>
+              <a:t>CreateFile</a:t>
+            </a:r>
+            <a:r>
+              <a:rPr lang="en-US" altLang="ja-JP" dirty="0" smtClean="0"/>
+              <a:t>(</a:t>
+            </a:r>
+            <a:r>
+              <a:rPr lang="en-US" altLang="ja-JP" dirty="0" err="1" smtClean="0"/>
+              <a:t>portName</a:t>
+            </a:r>
+            <a:r>
+              <a:rPr lang="en-US" altLang="ja-JP" dirty="0" smtClean="0"/>
+              <a:t>, GENERIC_READ | GENERIC_WRITE, 0, NULL, OPEN_EXISTING, 0, NULL);</a:t>
+            </a:r>
+          </a:p>
+          <a:p>
+            <a:r>
+              <a:rPr lang="en-US" altLang="ja-JP" dirty="0" smtClean="0"/>
+              <a:t>    if (</a:t>
+            </a:r>
+            <a:r>
+              <a:rPr lang="en-US" altLang="ja-JP" dirty="0" err="1" smtClean="0"/>
+              <a:t>hCom</a:t>
+            </a:r>
+            <a:r>
+              <a:rPr lang="en-US" altLang="ja-JP" dirty="0" smtClean="0"/>
+              <a:t> == INVALID_HANDLE_VALUE){ </a:t>
+            </a:r>
+          </a:p>
+          <a:p>
+            <a:r>
+              <a:rPr lang="en-US" altLang="ja-JP" dirty="0" smtClean="0"/>
+              <a:t>		</a:t>
+            </a:r>
+            <a:r>
+              <a:rPr lang="en-US" altLang="ja-JP" dirty="0" err="1" smtClean="0"/>
+              <a:t>cout</a:t>
+            </a:r>
+            <a:r>
+              <a:rPr lang="en-US" altLang="ja-JP" dirty="0" smtClean="0"/>
+              <a:t>&lt;&lt;"failed to connect"&lt;&lt;</a:t>
+            </a:r>
+            <a:r>
+              <a:rPr lang="en-US" altLang="ja-JP" dirty="0" err="1" smtClean="0"/>
+              <a:t>endl</a:t>
+            </a:r>
+            <a:r>
+              <a:rPr lang="en-US" altLang="ja-JP" dirty="0" smtClean="0"/>
+              <a:t>;</a:t>
+            </a:r>
+          </a:p>
+          <a:p>
+            <a:r>
+              <a:rPr lang="en-US" altLang="ja-JP" dirty="0" smtClean="0"/>
+              <a:t>        return;</a:t>
+            </a:r>
+          </a:p>
+          <a:p>
+            <a:r>
+              <a:rPr lang="en-US" altLang="ja-JP" dirty="0" smtClean="0"/>
+              <a:t>	}</a:t>
+            </a:r>
+          </a:p>
+          <a:p>
+            <a:r>
+              <a:rPr lang="en-US" altLang="ja-JP" dirty="0" smtClean="0"/>
+              <a:t>    DCB </a:t>
+            </a:r>
+            <a:r>
+              <a:rPr lang="en-US" altLang="ja-JP" dirty="0" err="1" smtClean="0"/>
+              <a:t>dcb</a:t>
+            </a:r>
+            <a:r>
+              <a:rPr lang="en-US" altLang="ja-JP" dirty="0" smtClean="0"/>
+              <a:t>;</a:t>
+            </a:r>
+          </a:p>
+          <a:p>
+            <a:r>
+              <a:rPr lang="en-US" altLang="ja-JP" dirty="0" smtClean="0"/>
+              <a:t>    </a:t>
+            </a:r>
+            <a:r>
+              <a:rPr lang="en-US" altLang="ja-JP" dirty="0" err="1" smtClean="0"/>
+              <a:t>BuildCommDCB</a:t>
+            </a:r>
+            <a:r>
+              <a:rPr lang="en-US" altLang="ja-JP" dirty="0" smtClean="0"/>
+              <a:t>("9600,n,8,1",&amp;dcb);</a:t>
+            </a:r>
+          </a:p>
+          <a:p>
+            <a:r>
+              <a:rPr lang="en-US" altLang="ja-JP" dirty="0" smtClean="0"/>
+              <a:t>    </a:t>
+            </a:r>
+            <a:r>
+              <a:rPr lang="en-US" altLang="ja-JP" dirty="0" err="1" smtClean="0"/>
+              <a:t>SetCommState</a:t>
+            </a:r>
+            <a:r>
+              <a:rPr lang="en-US" altLang="ja-JP" dirty="0" smtClean="0"/>
+              <a:t>(</a:t>
+            </a:r>
+            <a:r>
+              <a:rPr lang="en-US" altLang="ja-JP" dirty="0" err="1" smtClean="0"/>
+              <a:t>hCom</a:t>
+            </a:r>
+            <a:r>
+              <a:rPr lang="en-US" altLang="ja-JP" dirty="0" smtClean="0"/>
+              <a:t>, &amp;</a:t>
+            </a:r>
+            <a:r>
+              <a:rPr lang="en-US" altLang="ja-JP" dirty="0" err="1" smtClean="0"/>
+              <a:t>dcb</a:t>
+            </a:r>
+            <a:r>
+              <a:rPr lang="en-US" altLang="ja-JP" dirty="0" smtClean="0"/>
+              <a:t>);</a:t>
+            </a:r>
+          </a:p>
+          <a:p>
+            <a:r>
+              <a:rPr lang="en-US" altLang="ja-JP" dirty="0" smtClean="0"/>
+              <a:t>}</a:t>
+            </a:r>
+            <a:endParaRPr lang="en-US" altLang="ja-JP" dirty="0"/>
           </a:p>
         </p:txBody>
       </p:sp>
@@ -6447,12 +7031,21 @@
             <p:ph type="title"/>
           </p:nvPr>
         </p:nvSpPr>
-        <p:spPr/>
+        <p:spPr>
+          <a:xfrm>
+            <a:off x="323528" y="332656"/>
+            <a:ext cx="8229600" cy="1143000"/>
+          </a:xfrm>
+        </p:spPr>
         <p:txBody>
           <a:bodyPr/>
           <a:lstStyle/>
           <a:p>
-            <a:endParaRPr kumimoji="1" lang="ja-JP" altLang="en-US"/>
+            <a:r>
+              <a:rPr lang="ja-JP" altLang="en-US" dirty="0" smtClean="0"/>
+              <a:t>音声認識</a:t>
+            </a:r>
+            <a:endParaRPr kumimoji="1" lang="ja-JP" altLang="en-US" dirty="0"/>
           </a:p>
         </p:txBody>
       </p:sp>
@@ -6471,10 +7064,93 @@
           <a:bodyPr/>
           <a:lstStyle/>
           <a:p>
-            <a:endParaRPr kumimoji="1" lang="ja-JP" altLang="en-US"/>
-          </a:p>
-        </p:txBody>
-      </p:sp>
+            <a:r>
+              <a:rPr kumimoji="1" lang="en-US" altLang="ja-JP" dirty="0" smtClean="0"/>
+              <a:t>Julius</a:t>
+            </a:r>
+            <a:r>
+              <a:rPr lang="en-US" altLang="ja-JP" dirty="0" smtClean="0"/>
+              <a:t>(</a:t>
+            </a:r>
+            <a:r>
+              <a:rPr lang="en-US" altLang="ja-JP" dirty="0" smtClean="0">
+                <a:hlinkClick r:id="rId3"/>
+              </a:rPr>
+              <a:t>http</a:t>
+            </a:r>
+            <a:r>
+              <a:rPr lang="en-US" altLang="ja-JP" dirty="0" smtClean="0">
+                <a:hlinkClick r:id="rId3"/>
+              </a:rPr>
+              <a:t>://</a:t>
+            </a:r>
+            <a:r>
+              <a:rPr lang="en-US" altLang="ja-JP" dirty="0" smtClean="0">
+                <a:hlinkClick r:id="rId3"/>
+              </a:rPr>
+              <a:t>julius.sourceforge.jp/index.php</a:t>
+            </a:r>
+            <a:r>
+              <a:rPr lang="en-US" altLang="ja-JP" dirty="0" smtClean="0"/>
+              <a:t>)</a:t>
+            </a:r>
+            <a:r>
+              <a:rPr lang="ja-JP" altLang="en-US" dirty="0" smtClean="0"/>
+              <a:t>を使用</a:t>
+            </a:r>
+            <a:endParaRPr lang="en-US" altLang="ja-JP" dirty="0" smtClean="0"/>
+          </a:p>
+          <a:p>
+            <a:r>
+              <a:rPr lang="en-US" altLang="ja-JP" dirty="0" smtClean="0"/>
+              <a:t>Julius</a:t>
+            </a:r>
+            <a:r>
+              <a:rPr lang="ja-JP" altLang="en-US" dirty="0" smtClean="0"/>
+              <a:t>をモジュールモードで</a:t>
+            </a:r>
+            <a:r>
+              <a:rPr lang="ja-JP" altLang="en-US" dirty="0" smtClean="0"/>
+              <a:t>起動し、</a:t>
+            </a:r>
+            <a:r>
+              <a:rPr lang="en-US" altLang="ja-JP" dirty="0" smtClean="0"/>
+              <a:t>TCP/IP</a:t>
+            </a:r>
+            <a:r>
+              <a:rPr lang="ja-JP" altLang="en-US" smtClean="0"/>
+              <a:t>通信でプログラム側と通信。</a:t>
+            </a:r>
+            <a:endParaRPr kumimoji="1" lang="ja-JP" altLang="en-US" dirty="0"/>
+          </a:p>
+        </p:txBody>
+      </p:sp>
+      <p:pic>
+        <p:nvPicPr>
+          <p:cNvPr id="14338" name="Picture 2" descr="大語彙&#10;連続音声認識エンジンJulius"/>
+          <p:cNvPicPr>
+            <a:picLocks noChangeAspect="1" noChangeArrowheads="1"/>
+          </p:cNvPicPr>
+          <p:nvPr/>
+        </p:nvPicPr>
+        <p:blipFill>
+          <a:blip r:embed="rId4" cstate="print"/>
+          <a:srcRect/>
+          <a:stretch>
+            <a:fillRect/>
+          </a:stretch>
+        </p:blipFill>
+        <p:spPr bwMode="auto">
+          <a:xfrm>
+            <a:off x="5476875" y="5589240"/>
+            <a:ext cx="3667125" cy="952500"/>
+          </a:xfrm>
+          <a:prstGeom prst="rect">
+            <a:avLst/>
+          </a:prstGeom>
+          <a:noFill/>
+        </p:spPr>
+      </p:pic>
     </p:spTree>
   </p:cSld>
   <p:clrMapOvr>
